--- a/_PowerPoints/PGS v Testosterone plots 2.pptx
+++ b/_PowerPoints/PGS v Testosterone plots 2.pptx
@@ -8,36 +8,42 @@
     <p:sldId id="256" r:id="rId2"/>
     <p:sldId id="257" r:id="rId3"/>
     <p:sldId id="289" r:id="rId4"/>
-    <p:sldId id="258" r:id="rId5"/>
-    <p:sldId id="274" r:id="rId6"/>
-    <p:sldId id="260" r:id="rId7"/>
-    <p:sldId id="275" r:id="rId8"/>
-    <p:sldId id="261" r:id="rId9"/>
-    <p:sldId id="276" r:id="rId10"/>
-    <p:sldId id="262" r:id="rId11"/>
-    <p:sldId id="277" r:id="rId12"/>
-    <p:sldId id="263" r:id="rId13"/>
-    <p:sldId id="278" r:id="rId14"/>
-    <p:sldId id="264" r:id="rId15"/>
-    <p:sldId id="279" r:id="rId16"/>
-    <p:sldId id="265" r:id="rId17"/>
-    <p:sldId id="280" r:id="rId18"/>
-    <p:sldId id="266" r:id="rId19"/>
-    <p:sldId id="281" r:id="rId20"/>
-    <p:sldId id="267" r:id="rId21"/>
-    <p:sldId id="282" r:id="rId22"/>
-    <p:sldId id="268" r:id="rId23"/>
-    <p:sldId id="283" r:id="rId24"/>
-    <p:sldId id="269" r:id="rId25"/>
-    <p:sldId id="284" r:id="rId26"/>
-    <p:sldId id="270" r:id="rId27"/>
-    <p:sldId id="285" r:id="rId28"/>
-    <p:sldId id="273" r:id="rId29"/>
-    <p:sldId id="286" r:id="rId30"/>
-    <p:sldId id="271" r:id="rId31"/>
-    <p:sldId id="287" r:id="rId32"/>
-    <p:sldId id="272" r:id="rId33"/>
-    <p:sldId id="288" r:id="rId34"/>
+    <p:sldId id="290" r:id="rId5"/>
+    <p:sldId id="291" r:id="rId6"/>
+    <p:sldId id="292" r:id="rId7"/>
+    <p:sldId id="293" r:id="rId8"/>
+    <p:sldId id="294" r:id="rId9"/>
+    <p:sldId id="295" r:id="rId10"/>
+    <p:sldId id="258" r:id="rId11"/>
+    <p:sldId id="274" r:id="rId12"/>
+    <p:sldId id="260" r:id="rId13"/>
+    <p:sldId id="275" r:id="rId14"/>
+    <p:sldId id="261" r:id="rId15"/>
+    <p:sldId id="276" r:id="rId16"/>
+    <p:sldId id="262" r:id="rId17"/>
+    <p:sldId id="277" r:id="rId18"/>
+    <p:sldId id="263" r:id="rId19"/>
+    <p:sldId id="278" r:id="rId20"/>
+    <p:sldId id="264" r:id="rId21"/>
+    <p:sldId id="279" r:id="rId22"/>
+    <p:sldId id="265" r:id="rId23"/>
+    <p:sldId id="280" r:id="rId24"/>
+    <p:sldId id="266" r:id="rId25"/>
+    <p:sldId id="281" r:id="rId26"/>
+    <p:sldId id="267" r:id="rId27"/>
+    <p:sldId id="282" r:id="rId28"/>
+    <p:sldId id="268" r:id="rId29"/>
+    <p:sldId id="283" r:id="rId30"/>
+    <p:sldId id="269" r:id="rId31"/>
+    <p:sldId id="284" r:id="rId32"/>
+    <p:sldId id="270" r:id="rId33"/>
+    <p:sldId id="285" r:id="rId34"/>
+    <p:sldId id="273" r:id="rId35"/>
+    <p:sldId id="286" r:id="rId36"/>
+    <p:sldId id="271" r:id="rId37"/>
+    <p:sldId id="287" r:id="rId38"/>
+    <p:sldId id="272" r:id="rId39"/>
+    <p:sldId id="288" r:id="rId40"/>
   </p:sldIdLst>
   <p:sldSz cx="12192000" cy="6858000"/>
   <p:notesSz cx="6858000" cy="9144000"/>
@@ -291,7 +297,7 @@
           <a:p>
             <a:fld id="{1A034496-34C7-4145-ADC4-C296F8FF011D}" type="datetimeFigureOut">
               <a:rPr lang="en-US" smtClean="0"/>
-              <a:t>11/3/2021</a:t>
+              <a:t>11/17/2021</a:t>
             </a:fld>
             <a:endParaRPr lang="en-US"/>
           </a:p>
@@ -489,7 +495,7 @@
           <a:p>
             <a:fld id="{1A034496-34C7-4145-ADC4-C296F8FF011D}" type="datetimeFigureOut">
               <a:rPr lang="en-US" smtClean="0"/>
-              <a:t>11/3/2021</a:t>
+              <a:t>11/17/2021</a:t>
             </a:fld>
             <a:endParaRPr lang="en-US"/>
           </a:p>
@@ -697,7 +703,7 @@
           <a:p>
             <a:fld id="{1A034496-34C7-4145-ADC4-C296F8FF011D}" type="datetimeFigureOut">
               <a:rPr lang="en-US" smtClean="0"/>
-              <a:t>11/3/2021</a:t>
+              <a:t>11/17/2021</a:t>
             </a:fld>
             <a:endParaRPr lang="en-US"/>
           </a:p>
@@ -895,7 +901,7 @@
           <a:p>
             <a:fld id="{1A034496-34C7-4145-ADC4-C296F8FF011D}" type="datetimeFigureOut">
               <a:rPr lang="en-US" smtClean="0"/>
-              <a:t>11/3/2021</a:t>
+              <a:t>11/17/2021</a:t>
             </a:fld>
             <a:endParaRPr lang="en-US"/>
           </a:p>
@@ -1170,7 +1176,7 @@
           <a:p>
             <a:fld id="{1A034496-34C7-4145-ADC4-C296F8FF011D}" type="datetimeFigureOut">
               <a:rPr lang="en-US" smtClean="0"/>
-              <a:t>11/3/2021</a:t>
+              <a:t>11/17/2021</a:t>
             </a:fld>
             <a:endParaRPr lang="en-US"/>
           </a:p>
@@ -1435,7 +1441,7 @@
           <a:p>
             <a:fld id="{1A034496-34C7-4145-ADC4-C296F8FF011D}" type="datetimeFigureOut">
               <a:rPr lang="en-US" smtClean="0"/>
-              <a:t>11/3/2021</a:t>
+              <a:t>11/17/2021</a:t>
             </a:fld>
             <a:endParaRPr lang="en-US"/>
           </a:p>
@@ -1847,7 +1853,7 @@
           <a:p>
             <a:fld id="{1A034496-34C7-4145-ADC4-C296F8FF011D}" type="datetimeFigureOut">
               <a:rPr lang="en-US" smtClean="0"/>
-              <a:t>11/3/2021</a:t>
+              <a:t>11/17/2021</a:t>
             </a:fld>
             <a:endParaRPr lang="en-US"/>
           </a:p>
@@ -1988,7 +1994,7 @@
           <a:p>
             <a:fld id="{1A034496-34C7-4145-ADC4-C296F8FF011D}" type="datetimeFigureOut">
               <a:rPr lang="en-US" smtClean="0"/>
-              <a:t>11/3/2021</a:t>
+              <a:t>11/17/2021</a:t>
             </a:fld>
             <a:endParaRPr lang="en-US"/>
           </a:p>
@@ -2101,7 +2107,7 @@
           <a:p>
             <a:fld id="{1A034496-34C7-4145-ADC4-C296F8FF011D}" type="datetimeFigureOut">
               <a:rPr lang="en-US" smtClean="0"/>
-              <a:t>11/3/2021</a:t>
+              <a:t>11/17/2021</a:t>
             </a:fld>
             <a:endParaRPr lang="en-US"/>
           </a:p>
@@ -2412,7 +2418,7 @@
           <a:p>
             <a:fld id="{1A034496-34C7-4145-ADC4-C296F8FF011D}" type="datetimeFigureOut">
               <a:rPr lang="en-US" smtClean="0"/>
-              <a:t>11/3/2021</a:t>
+              <a:t>11/17/2021</a:t>
             </a:fld>
             <a:endParaRPr lang="en-US"/>
           </a:p>
@@ -2700,7 +2706,7 @@
           <a:p>
             <a:fld id="{1A034496-34C7-4145-ADC4-C296F8FF011D}" type="datetimeFigureOut">
               <a:rPr lang="en-US" smtClean="0"/>
-              <a:t>11/3/2021</a:t>
+              <a:t>11/17/2021</a:t>
             </a:fld>
             <a:endParaRPr lang="en-US"/>
           </a:p>
@@ -2941,7 +2947,7 @@
           <a:p>
             <a:fld id="{1A034496-34C7-4145-ADC4-C296F8FF011D}" type="datetimeFigureOut">
               <a:rPr lang="en-US" smtClean="0"/>
-              <a:t>11/3/2021</a:t>
+              <a:t>11/17/2021</a:t>
             </a:fld>
             <a:endParaRPr lang="en-US"/>
           </a:p>
@@ -3450,10 +3456,10 @@
       </p:grpSpPr>
       <p:pic>
         <p:nvPicPr>
-          <p:cNvPr id="6" name="Picture 5" descr="Timeline&#10;&#10;Description automatically generated">
-            <a:extLst>
-              <a:ext uri="{FF2B5EF4-FFF2-40B4-BE49-F238E27FC236}">
-                <a16:creationId xmlns:a16="http://schemas.microsoft.com/office/drawing/2014/main" id="{A82C3C4B-E653-498C-92E8-1B034DA30581}"/>
+          <p:cNvPr id="8" name="Picture 7" descr="A picture containing chart&#10;&#10;Description automatically generated">
+            <a:extLst>
+              <a:ext uri="{FF2B5EF4-FFF2-40B4-BE49-F238E27FC236}">
+                <a16:creationId xmlns:a16="http://schemas.microsoft.com/office/drawing/2014/main" id="{69A15BE8-CA41-4F51-82E0-A6F326C18457}"/>
               </a:ext>
             </a:extLst>
           </p:cNvPr>
@@ -3476,8 +3482,8 @@
         </p:blipFill>
         <p:spPr>
           <a:xfrm>
-            <a:off x="0" y="505684"/>
-            <a:ext cx="6031345" cy="6031345"/>
+            <a:off x="291879" y="228594"/>
+            <a:ext cx="5804122" cy="5804122"/>
           </a:xfrm>
           <a:prstGeom prst="rect">
             <a:avLst/>
@@ -3486,10 +3492,10 @@
       </p:pic>
       <p:pic>
         <p:nvPicPr>
-          <p:cNvPr id="3" name="Picture 2" descr="Timeline&#10;&#10;Description automatically generated with medium confidence">
-            <a:extLst>
-              <a:ext uri="{FF2B5EF4-FFF2-40B4-BE49-F238E27FC236}">
-                <a16:creationId xmlns:a16="http://schemas.microsoft.com/office/drawing/2014/main" id="{4A4715E2-3E5F-441D-BF18-2977E9915250}"/>
+          <p:cNvPr id="3" name="Picture 2" descr="A picture containing chart&#10;&#10;Description automatically generated">
+            <a:extLst>
+              <a:ext uri="{FF2B5EF4-FFF2-40B4-BE49-F238E27FC236}">
+                <a16:creationId xmlns:a16="http://schemas.microsoft.com/office/drawing/2014/main" id="{992498BD-ADAA-4357-AEE1-99E1FA4E6224}"/>
               </a:ext>
             </a:extLst>
           </p:cNvPr>
@@ -3512,8 +3518,8 @@
         </p:blipFill>
         <p:spPr>
           <a:xfrm>
-            <a:off x="6160657" y="505684"/>
-            <a:ext cx="6031345" cy="6031345"/>
+            <a:off x="6329251" y="294617"/>
+            <a:ext cx="5738099" cy="5738099"/>
           </a:xfrm>
           <a:prstGeom prst="rect">
             <a:avLst/>
@@ -3523,7 +3529,7 @@
     </p:spTree>
     <p:extLst>
       <p:ext uri="{BB962C8B-B14F-4D97-AF65-F5344CB8AC3E}">
-        <p14:creationId xmlns:p14="http://schemas.microsoft.com/office/powerpoint/2010/main" val="3791384081"/>
+        <p14:creationId xmlns:p14="http://schemas.microsoft.com/office/powerpoint/2010/main" val="960449506"/>
       </p:ext>
     </p:extLst>
   </p:cSld>
@@ -3555,7 +3561,7 @@
           <p:cNvPr id="3" name="Picture 2" descr="Timeline&#10;&#10;Description automatically generated">
             <a:extLst>
               <a:ext uri="{FF2B5EF4-FFF2-40B4-BE49-F238E27FC236}">
-                <a16:creationId xmlns:a16="http://schemas.microsoft.com/office/drawing/2014/main" id="{2AEBD057-CA98-4B54-A404-75D4084F5E01}"/>
+                <a16:creationId xmlns:a16="http://schemas.microsoft.com/office/drawing/2014/main" id="{5F922795-890F-40A0-B1B5-4025F19ECA39}"/>
               </a:ext>
             </a:extLst>
           </p:cNvPr>
@@ -3589,7 +3595,7 @@
     </p:spTree>
     <p:extLst>
       <p:ext uri="{BB962C8B-B14F-4D97-AF65-F5344CB8AC3E}">
-        <p14:creationId xmlns:p14="http://schemas.microsoft.com/office/powerpoint/2010/main" val="4088135005"/>
+        <p14:creationId xmlns:p14="http://schemas.microsoft.com/office/powerpoint/2010/main" val="1846668012"/>
       </p:ext>
     </p:extLst>
   </p:cSld>
@@ -3618,10 +3624,10 @@
       </p:grpSpPr>
       <p:pic>
         <p:nvPicPr>
-          <p:cNvPr id="6" name="Picture 5" descr="A picture containing graphical user interface&#10;&#10;Description automatically generated">
-            <a:extLst>
-              <a:ext uri="{FF2B5EF4-FFF2-40B4-BE49-F238E27FC236}">
-                <a16:creationId xmlns:a16="http://schemas.microsoft.com/office/drawing/2014/main" id="{7FF1A23E-BF8F-4B01-8C22-0C70A2C823EF}"/>
+          <p:cNvPr id="6" name="Picture 5" descr="Chart, scatter chart&#10;&#10;Description automatically generated">
+            <a:extLst>
+              <a:ext uri="{FF2B5EF4-FFF2-40B4-BE49-F238E27FC236}">
+                <a16:creationId xmlns:a16="http://schemas.microsoft.com/office/drawing/2014/main" id="{A8F83C00-6734-4ACC-B4C1-88D8835ED999}"/>
               </a:ext>
             </a:extLst>
           </p:cNvPr>
@@ -3644,8 +3650,8 @@
         </p:blipFill>
         <p:spPr>
           <a:xfrm>
-            <a:off x="73891" y="347514"/>
-            <a:ext cx="6162971" cy="6162971"/>
+            <a:off x="92363" y="472205"/>
+            <a:ext cx="5913589" cy="5913589"/>
           </a:xfrm>
           <a:prstGeom prst="rect">
             <a:avLst/>
@@ -3654,10 +3660,10 @@
       </p:pic>
       <p:pic>
         <p:nvPicPr>
-          <p:cNvPr id="3" name="Picture 2" descr="A picture containing graphical user interface&#10;&#10;Description automatically generated">
-            <a:extLst>
-              <a:ext uri="{FF2B5EF4-FFF2-40B4-BE49-F238E27FC236}">
-                <a16:creationId xmlns:a16="http://schemas.microsoft.com/office/drawing/2014/main" id="{F7A2A0EB-2FBB-40A9-B648-DF23DEFD3A29}"/>
+          <p:cNvPr id="3" name="Picture 2" descr="Chart&#10;&#10;Description automatically generated">
+            <a:extLst>
+              <a:ext uri="{FF2B5EF4-FFF2-40B4-BE49-F238E27FC236}">
+                <a16:creationId xmlns:a16="http://schemas.microsoft.com/office/drawing/2014/main" id="{6EC8475E-0524-4327-B0B0-B7B3BAEC89B5}"/>
               </a:ext>
             </a:extLst>
           </p:cNvPr>
@@ -3680,8 +3686,8 @@
         </p:blipFill>
         <p:spPr>
           <a:xfrm>
-            <a:off x="6172207" y="490692"/>
-            <a:ext cx="6019793" cy="6019793"/>
+            <a:off x="6096000" y="472204"/>
+            <a:ext cx="5913589" cy="5913589"/>
           </a:xfrm>
           <a:prstGeom prst="rect">
             <a:avLst/>
@@ -3691,7 +3697,7 @@
     </p:spTree>
     <p:extLst>
       <p:ext uri="{BB962C8B-B14F-4D97-AF65-F5344CB8AC3E}">
-        <p14:creationId xmlns:p14="http://schemas.microsoft.com/office/powerpoint/2010/main" val="2345299095"/>
+        <p14:creationId xmlns:p14="http://schemas.microsoft.com/office/powerpoint/2010/main" val="1551400123"/>
       </p:ext>
     </p:extLst>
   </p:cSld>
@@ -3723,7 +3729,7 @@
           <p:cNvPr id="3" name="Picture 2" descr="Timeline&#10;&#10;Description automatically generated with medium confidence">
             <a:extLst>
               <a:ext uri="{FF2B5EF4-FFF2-40B4-BE49-F238E27FC236}">
-                <a16:creationId xmlns:a16="http://schemas.microsoft.com/office/drawing/2014/main" id="{41A39DE2-9CB8-40DF-BE20-ACB9332028F5}"/>
+                <a16:creationId xmlns:a16="http://schemas.microsoft.com/office/drawing/2014/main" id="{F5B67800-D6D7-4D65-99A0-B8A94FBF85CB}"/>
               </a:ext>
             </a:extLst>
           </p:cNvPr>
@@ -3757,7 +3763,7 @@
     </p:spTree>
     <p:extLst>
       <p:ext uri="{BB962C8B-B14F-4D97-AF65-F5344CB8AC3E}">
-        <p14:creationId xmlns:p14="http://schemas.microsoft.com/office/powerpoint/2010/main" val="3618836134"/>
+        <p14:creationId xmlns:p14="http://schemas.microsoft.com/office/powerpoint/2010/main" val="1578450840"/>
       </p:ext>
     </p:extLst>
   </p:cSld>
@@ -3786,10 +3792,10 @@
       </p:grpSpPr>
       <p:pic>
         <p:nvPicPr>
-          <p:cNvPr id="6" name="Picture 5" descr="Chart, scatter chart&#10;&#10;Description automatically generated">
-            <a:extLst>
-              <a:ext uri="{FF2B5EF4-FFF2-40B4-BE49-F238E27FC236}">
-                <a16:creationId xmlns:a16="http://schemas.microsoft.com/office/drawing/2014/main" id="{0F190CD4-15D4-41C5-9CFA-9860D72083C4}"/>
+          <p:cNvPr id="6" name="Picture 5" descr="A picture containing timeline&#10;&#10;Description automatically generated">
+            <a:extLst>
+              <a:ext uri="{FF2B5EF4-FFF2-40B4-BE49-F238E27FC236}">
+                <a16:creationId xmlns:a16="http://schemas.microsoft.com/office/drawing/2014/main" id="{7A827C17-1953-4320-B332-39198BED56F8}"/>
               </a:ext>
             </a:extLst>
           </p:cNvPr>
@@ -3812,8 +3818,8 @@
         </p:blipFill>
         <p:spPr>
           <a:xfrm>
-            <a:off x="117757" y="439878"/>
-            <a:ext cx="5978243" cy="5978243"/>
+            <a:off x="0" y="449114"/>
+            <a:ext cx="5959771" cy="5959771"/>
           </a:xfrm>
           <a:prstGeom prst="rect">
             <a:avLst/>
@@ -3822,10 +3828,10 @@
       </p:pic>
       <p:pic>
         <p:nvPicPr>
-          <p:cNvPr id="5" name="Picture 4" descr="Chart, scatter chart&#10;&#10;Description automatically generated">
-            <a:extLst>
-              <a:ext uri="{FF2B5EF4-FFF2-40B4-BE49-F238E27FC236}">
-                <a16:creationId xmlns:a16="http://schemas.microsoft.com/office/drawing/2014/main" id="{7DBA7E59-564F-42F7-8E77-90DA5DF98773}"/>
+          <p:cNvPr id="3" name="Picture 2" descr="Timeline&#10;&#10;Description automatically generated with low confidence">
+            <a:extLst>
+              <a:ext uri="{FF2B5EF4-FFF2-40B4-BE49-F238E27FC236}">
+                <a16:creationId xmlns:a16="http://schemas.microsoft.com/office/drawing/2014/main" id="{0479A7E5-F988-45B4-8F53-9889BEACA627}"/>
               </a:ext>
             </a:extLst>
           </p:cNvPr>
@@ -3848,8 +3854,8 @@
         </p:blipFill>
         <p:spPr>
           <a:xfrm>
-            <a:off x="6213756" y="365987"/>
-            <a:ext cx="5978244" cy="5978244"/>
+            <a:off x="6232231" y="449114"/>
+            <a:ext cx="5959769" cy="5959769"/>
           </a:xfrm>
           <a:prstGeom prst="rect">
             <a:avLst/>
@@ -3859,7 +3865,7 @@
     </p:spTree>
     <p:extLst>
       <p:ext uri="{BB962C8B-B14F-4D97-AF65-F5344CB8AC3E}">
-        <p14:creationId xmlns:p14="http://schemas.microsoft.com/office/powerpoint/2010/main" val="1623260557"/>
+        <p14:creationId xmlns:p14="http://schemas.microsoft.com/office/powerpoint/2010/main" val="425007679"/>
       </p:ext>
     </p:extLst>
   </p:cSld>
@@ -3888,10 +3894,10 @@
       </p:grpSpPr>
       <p:pic>
         <p:nvPicPr>
-          <p:cNvPr id="3" name="Picture 2" descr="Timeline&#10;&#10;Description automatically generated">
-            <a:extLst>
-              <a:ext uri="{FF2B5EF4-FFF2-40B4-BE49-F238E27FC236}">
-                <a16:creationId xmlns:a16="http://schemas.microsoft.com/office/drawing/2014/main" id="{A784969A-58D1-4A92-85F5-6DEF98827FBC}"/>
+          <p:cNvPr id="3" name="Picture 2" descr="A picture containing diagram&#10;&#10;Description automatically generated">
+            <a:extLst>
+              <a:ext uri="{FF2B5EF4-FFF2-40B4-BE49-F238E27FC236}">
+                <a16:creationId xmlns:a16="http://schemas.microsoft.com/office/drawing/2014/main" id="{5325D005-527E-4E7D-BEFB-EFFD5F99D860}"/>
               </a:ext>
             </a:extLst>
           </p:cNvPr>
@@ -3925,7 +3931,7 @@
     </p:spTree>
     <p:extLst>
       <p:ext uri="{BB962C8B-B14F-4D97-AF65-F5344CB8AC3E}">
-        <p14:creationId xmlns:p14="http://schemas.microsoft.com/office/powerpoint/2010/main" val="3672405158"/>
+        <p14:creationId xmlns:p14="http://schemas.microsoft.com/office/powerpoint/2010/main" val="2695558462"/>
       </p:ext>
     </p:extLst>
   </p:cSld>
@@ -3954,10 +3960,10 @@
       </p:grpSpPr>
       <p:pic>
         <p:nvPicPr>
-          <p:cNvPr id="10" name="Picture 9" descr="A picture containing timeline&#10;&#10;Description automatically generated">
-            <a:extLst>
-              <a:ext uri="{FF2B5EF4-FFF2-40B4-BE49-F238E27FC236}">
-                <a16:creationId xmlns:a16="http://schemas.microsoft.com/office/drawing/2014/main" id="{DD738BF5-2811-424C-8D4B-AD551A0C6EE7}"/>
+          <p:cNvPr id="6" name="Picture 5" descr="Timeline&#10;&#10;Description automatically generated">
+            <a:extLst>
+              <a:ext uri="{FF2B5EF4-FFF2-40B4-BE49-F238E27FC236}">
+                <a16:creationId xmlns:a16="http://schemas.microsoft.com/office/drawing/2014/main" id="{A82C3C4B-E653-498C-92E8-1B034DA30581}"/>
               </a:ext>
             </a:extLst>
           </p:cNvPr>
@@ -3980,8 +3986,8 @@
         </p:blipFill>
         <p:spPr>
           <a:xfrm>
-            <a:off x="0" y="330200"/>
-            <a:ext cx="6024419" cy="6024419"/>
+            <a:off x="0" y="505684"/>
+            <a:ext cx="6031345" cy="6031345"/>
           </a:xfrm>
           <a:prstGeom prst="rect">
             <a:avLst/>
@@ -3990,10 +3996,10 @@
       </p:pic>
       <p:pic>
         <p:nvPicPr>
-          <p:cNvPr id="3" name="Picture 2" descr="Chart, scatter chart&#10;&#10;Description automatically generated">
-            <a:extLst>
-              <a:ext uri="{FF2B5EF4-FFF2-40B4-BE49-F238E27FC236}">
-                <a16:creationId xmlns:a16="http://schemas.microsoft.com/office/drawing/2014/main" id="{28F724B2-5FA8-4019-BB46-BE6E961BDE6D}"/>
+          <p:cNvPr id="3" name="Picture 2" descr="Timeline&#10;&#10;Description automatically generated with medium confidence">
+            <a:extLst>
+              <a:ext uri="{FF2B5EF4-FFF2-40B4-BE49-F238E27FC236}">
+                <a16:creationId xmlns:a16="http://schemas.microsoft.com/office/drawing/2014/main" id="{4A4715E2-3E5F-441D-BF18-2977E9915250}"/>
               </a:ext>
             </a:extLst>
           </p:cNvPr>
@@ -4016,8 +4022,8 @@
         </p:blipFill>
         <p:spPr>
           <a:xfrm>
-            <a:off x="6167583" y="330200"/>
-            <a:ext cx="6024419" cy="6024419"/>
+            <a:off x="6160657" y="505684"/>
+            <a:ext cx="6031345" cy="6031345"/>
           </a:xfrm>
           <a:prstGeom prst="rect">
             <a:avLst/>
@@ -4027,7 +4033,7 @@
     </p:spTree>
     <p:extLst>
       <p:ext uri="{BB962C8B-B14F-4D97-AF65-F5344CB8AC3E}">
-        <p14:creationId xmlns:p14="http://schemas.microsoft.com/office/powerpoint/2010/main" val="663812951"/>
+        <p14:creationId xmlns:p14="http://schemas.microsoft.com/office/powerpoint/2010/main" val="3791384081"/>
       </p:ext>
     </p:extLst>
   </p:cSld>
@@ -4059,7 +4065,7 @@
           <p:cNvPr id="3" name="Picture 2" descr="Timeline&#10;&#10;Description automatically generated">
             <a:extLst>
               <a:ext uri="{FF2B5EF4-FFF2-40B4-BE49-F238E27FC236}">
-                <a16:creationId xmlns:a16="http://schemas.microsoft.com/office/drawing/2014/main" id="{F9F5D672-2AD3-43D0-9FBD-8A597EC94E54}"/>
+                <a16:creationId xmlns:a16="http://schemas.microsoft.com/office/drawing/2014/main" id="{2AEBD057-CA98-4B54-A404-75D4084F5E01}"/>
               </a:ext>
             </a:extLst>
           </p:cNvPr>
@@ -4093,7 +4099,7 @@
     </p:spTree>
     <p:extLst>
       <p:ext uri="{BB962C8B-B14F-4D97-AF65-F5344CB8AC3E}">
-        <p14:creationId xmlns:p14="http://schemas.microsoft.com/office/powerpoint/2010/main" val="1506702545"/>
+        <p14:creationId xmlns:p14="http://schemas.microsoft.com/office/powerpoint/2010/main" val="4088135005"/>
       </p:ext>
     </p:extLst>
   </p:cSld>
@@ -4122,10 +4128,10 @@
       </p:grpSpPr>
       <p:pic>
         <p:nvPicPr>
-          <p:cNvPr id="10" name="Picture 9" descr="A picture containing graphical user interface&#10;&#10;Description automatically generated">
-            <a:extLst>
-              <a:ext uri="{FF2B5EF4-FFF2-40B4-BE49-F238E27FC236}">
-                <a16:creationId xmlns:a16="http://schemas.microsoft.com/office/drawing/2014/main" id="{01326F51-E972-448F-8290-E89EE30390F3}"/>
+          <p:cNvPr id="6" name="Picture 5" descr="A picture containing graphical user interface&#10;&#10;Description automatically generated">
+            <a:extLst>
+              <a:ext uri="{FF2B5EF4-FFF2-40B4-BE49-F238E27FC236}">
+                <a16:creationId xmlns:a16="http://schemas.microsoft.com/office/drawing/2014/main" id="{7FF1A23E-BF8F-4B01-8C22-0C70A2C823EF}"/>
               </a:ext>
             </a:extLst>
           </p:cNvPr>
@@ -4148,8 +4154,8 @@
         </p:blipFill>
         <p:spPr>
           <a:xfrm>
-            <a:off x="0" y="412169"/>
-            <a:ext cx="6033662" cy="6033662"/>
+            <a:off x="73891" y="347514"/>
+            <a:ext cx="6162971" cy="6162971"/>
           </a:xfrm>
           <a:prstGeom prst="rect">
             <a:avLst/>
@@ -4158,10 +4164,10 @@
       </p:pic>
       <p:pic>
         <p:nvPicPr>
-          <p:cNvPr id="3" name="Picture 2" descr="Chart&#10;&#10;Description automatically generated">
-            <a:extLst>
-              <a:ext uri="{FF2B5EF4-FFF2-40B4-BE49-F238E27FC236}">
-                <a16:creationId xmlns:a16="http://schemas.microsoft.com/office/drawing/2014/main" id="{8C7B82B6-CED2-4680-B324-A986D0898178}"/>
+          <p:cNvPr id="3" name="Picture 2" descr="A picture containing graphical user interface&#10;&#10;Description automatically generated">
+            <a:extLst>
+              <a:ext uri="{FF2B5EF4-FFF2-40B4-BE49-F238E27FC236}">
+                <a16:creationId xmlns:a16="http://schemas.microsoft.com/office/drawing/2014/main" id="{F7A2A0EB-2FBB-40A9-B648-DF23DEFD3A29}"/>
               </a:ext>
             </a:extLst>
           </p:cNvPr>
@@ -4184,8 +4190,8 @@
         </p:blipFill>
         <p:spPr>
           <a:xfrm>
-            <a:off x="6158340" y="412169"/>
-            <a:ext cx="6033662" cy="6033662"/>
+            <a:off x="6172207" y="490692"/>
+            <a:ext cx="6019793" cy="6019793"/>
           </a:xfrm>
           <a:prstGeom prst="rect">
             <a:avLst/>
@@ -4195,7 +4201,7 @@
     </p:spTree>
     <p:extLst>
       <p:ext uri="{BB962C8B-B14F-4D97-AF65-F5344CB8AC3E}">
-        <p14:creationId xmlns:p14="http://schemas.microsoft.com/office/powerpoint/2010/main" val="2156063097"/>
+        <p14:creationId xmlns:p14="http://schemas.microsoft.com/office/powerpoint/2010/main" val="2345299095"/>
       </p:ext>
     </p:extLst>
   </p:cSld>
@@ -4224,10 +4230,10 @@
       </p:grpSpPr>
       <p:pic>
         <p:nvPicPr>
-          <p:cNvPr id="3" name="Picture 2" descr="Timeline&#10;&#10;Description automatically generated">
-            <a:extLst>
-              <a:ext uri="{FF2B5EF4-FFF2-40B4-BE49-F238E27FC236}">
-                <a16:creationId xmlns:a16="http://schemas.microsoft.com/office/drawing/2014/main" id="{47F3603F-8532-4F4B-8F7D-0CF10AFAFD93}"/>
+          <p:cNvPr id="3" name="Picture 2" descr="Timeline&#10;&#10;Description automatically generated with medium confidence">
+            <a:extLst>
+              <a:ext uri="{FF2B5EF4-FFF2-40B4-BE49-F238E27FC236}">
+                <a16:creationId xmlns:a16="http://schemas.microsoft.com/office/drawing/2014/main" id="{41A39DE2-9CB8-40DF-BE20-ACB9332028F5}"/>
               </a:ext>
             </a:extLst>
           </p:cNvPr>
@@ -4261,7 +4267,7 @@
     </p:spTree>
     <p:extLst>
       <p:ext uri="{BB962C8B-B14F-4D97-AF65-F5344CB8AC3E}">
-        <p14:creationId xmlns:p14="http://schemas.microsoft.com/office/powerpoint/2010/main" val="1649742910"/>
+        <p14:creationId xmlns:p14="http://schemas.microsoft.com/office/powerpoint/2010/main" val="3618836134"/>
       </p:ext>
     </p:extLst>
   </p:cSld>
@@ -4409,10 +4415,10 @@
       </p:grpSpPr>
       <p:pic>
         <p:nvPicPr>
-          <p:cNvPr id="4" name="Picture 3" descr="A picture containing chart&#10;&#10;Description automatically generated">
-            <a:extLst>
-              <a:ext uri="{FF2B5EF4-FFF2-40B4-BE49-F238E27FC236}">
-                <a16:creationId xmlns:a16="http://schemas.microsoft.com/office/drawing/2014/main" id="{35D7F176-679C-4B10-A6B6-E306FC74E527}"/>
+          <p:cNvPr id="6" name="Picture 5" descr="Chart, scatter chart&#10;&#10;Description automatically generated">
+            <a:extLst>
+              <a:ext uri="{FF2B5EF4-FFF2-40B4-BE49-F238E27FC236}">
+                <a16:creationId xmlns:a16="http://schemas.microsoft.com/office/drawing/2014/main" id="{0F190CD4-15D4-41C5-9CFA-9860D72083C4}"/>
               </a:ext>
             </a:extLst>
           </p:cNvPr>
@@ -4435,8 +4441,8 @@
         </p:blipFill>
         <p:spPr>
           <a:xfrm>
-            <a:off x="0" y="398314"/>
-            <a:ext cx="6061371" cy="6061371"/>
+            <a:off x="117757" y="439878"/>
+            <a:ext cx="5978243" cy="5978243"/>
           </a:xfrm>
           <a:prstGeom prst="rect">
             <a:avLst/>
@@ -4445,10 +4451,10 @@
       </p:pic>
       <p:pic>
         <p:nvPicPr>
-          <p:cNvPr id="3" name="Picture 2" descr="Chart&#10;&#10;Description automatically generated">
-            <a:extLst>
-              <a:ext uri="{FF2B5EF4-FFF2-40B4-BE49-F238E27FC236}">
-                <a16:creationId xmlns:a16="http://schemas.microsoft.com/office/drawing/2014/main" id="{EB5F8047-8227-4807-9EB5-47E891A408CB}"/>
+          <p:cNvPr id="5" name="Picture 4" descr="Chart, scatter chart&#10;&#10;Description automatically generated">
+            <a:extLst>
+              <a:ext uri="{FF2B5EF4-FFF2-40B4-BE49-F238E27FC236}">
+                <a16:creationId xmlns:a16="http://schemas.microsoft.com/office/drawing/2014/main" id="{7DBA7E59-564F-42F7-8E77-90DA5DF98773}"/>
               </a:ext>
             </a:extLst>
           </p:cNvPr>
@@ -4471,8 +4477,8 @@
         </p:blipFill>
         <p:spPr>
           <a:xfrm>
-            <a:off x="6130631" y="398313"/>
-            <a:ext cx="6061372" cy="6061372"/>
+            <a:off x="6213756" y="365987"/>
+            <a:ext cx="5978244" cy="5978244"/>
           </a:xfrm>
           <a:prstGeom prst="rect">
             <a:avLst/>
@@ -4482,7 +4488,7 @@
     </p:spTree>
     <p:extLst>
       <p:ext uri="{BB962C8B-B14F-4D97-AF65-F5344CB8AC3E}">
-        <p14:creationId xmlns:p14="http://schemas.microsoft.com/office/powerpoint/2010/main" val="1996780853"/>
+        <p14:creationId xmlns:p14="http://schemas.microsoft.com/office/powerpoint/2010/main" val="1623260557"/>
       </p:ext>
     </p:extLst>
   </p:cSld>
@@ -4514,7 +4520,7 @@
           <p:cNvPr id="3" name="Picture 2" descr="Timeline&#10;&#10;Description automatically generated">
             <a:extLst>
               <a:ext uri="{FF2B5EF4-FFF2-40B4-BE49-F238E27FC236}">
-                <a16:creationId xmlns:a16="http://schemas.microsoft.com/office/drawing/2014/main" id="{26B458E5-E51F-49D3-91EB-586C86050D94}"/>
+                <a16:creationId xmlns:a16="http://schemas.microsoft.com/office/drawing/2014/main" id="{A784969A-58D1-4A92-85F5-6DEF98827FBC}"/>
               </a:ext>
             </a:extLst>
           </p:cNvPr>
@@ -4548,7 +4554,7 @@
     </p:spTree>
     <p:extLst>
       <p:ext uri="{BB962C8B-B14F-4D97-AF65-F5344CB8AC3E}">
-        <p14:creationId xmlns:p14="http://schemas.microsoft.com/office/powerpoint/2010/main" val="4167587943"/>
+        <p14:creationId xmlns:p14="http://schemas.microsoft.com/office/powerpoint/2010/main" val="3672405158"/>
       </p:ext>
     </p:extLst>
   </p:cSld>
@@ -4577,10 +4583,10 @@
       </p:grpSpPr>
       <p:pic>
         <p:nvPicPr>
-          <p:cNvPr id="4" name="Picture 3" descr="Timeline&#10;&#10;Description automatically generated with medium confidence">
-            <a:extLst>
-              <a:ext uri="{FF2B5EF4-FFF2-40B4-BE49-F238E27FC236}">
-                <a16:creationId xmlns:a16="http://schemas.microsoft.com/office/drawing/2014/main" id="{D4F0B2AD-D70C-4FF0-9838-832587DDBFF8}"/>
+          <p:cNvPr id="10" name="Picture 9" descr="A picture containing timeline&#10;&#10;Description automatically generated">
+            <a:extLst>
+              <a:ext uri="{FF2B5EF4-FFF2-40B4-BE49-F238E27FC236}">
+                <a16:creationId xmlns:a16="http://schemas.microsoft.com/office/drawing/2014/main" id="{DD738BF5-2811-424C-8D4B-AD551A0C6EE7}"/>
               </a:ext>
             </a:extLst>
           </p:cNvPr>
@@ -4603,8 +4609,8 @@
         </p:blipFill>
         <p:spPr>
           <a:xfrm>
-            <a:off x="0" y="404085"/>
-            <a:ext cx="5895116" cy="5895116"/>
+            <a:off x="0" y="330200"/>
+            <a:ext cx="6024419" cy="6024419"/>
           </a:xfrm>
           <a:prstGeom prst="rect">
             <a:avLst/>
@@ -4613,10 +4619,10 @@
       </p:pic>
       <p:pic>
         <p:nvPicPr>
-          <p:cNvPr id="3" name="Picture 2" descr="Chart&#10;&#10;Description automatically generated with medium confidence">
-            <a:extLst>
-              <a:ext uri="{FF2B5EF4-FFF2-40B4-BE49-F238E27FC236}">
-                <a16:creationId xmlns:a16="http://schemas.microsoft.com/office/drawing/2014/main" id="{BB847CB2-4567-4D24-9934-79168DD9F78F}"/>
+          <p:cNvPr id="3" name="Picture 2" descr="Chart, scatter chart&#10;&#10;Description automatically generated">
+            <a:extLst>
+              <a:ext uri="{FF2B5EF4-FFF2-40B4-BE49-F238E27FC236}">
+                <a16:creationId xmlns:a16="http://schemas.microsoft.com/office/drawing/2014/main" id="{28F724B2-5FA8-4019-BB46-BE6E961BDE6D}"/>
               </a:ext>
             </a:extLst>
           </p:cNvPr>
@@ -4639,8 +4645,8 @@
         </p:blipFill>
         <p:spPr>
           <a:xfrm>
-            <a:off x="6296884" y="404085"/>
-            <a:ext cx="5895116" cy="5895116"/>
+            <a:off x="6167583" y="330200"/>
+            <a:ext cx="6024419" cy="6024419"/>
           </a:xfrm>
           <a:prstGeom prst="rect">
             <a:avLst/>
@@ -4650,7 +4656,7 @@
     </p:spTree>
     <p:extLst>
       <p:ext uri="{BB962C8B-B14F-4D97-AF65-F5344CB8AC3E}">
-        <p14:creationId xmlns:p14="http://schemas.microsoft.com/office/powerpoint/2010/main" val="1278623933"/>
+        <p14:creationId xmlns:p14="http://schemas.microsoft.com/office/powerpoint/2010/main" val="663812951"/>
       </p:ext>
     </p:extLst>
   </p:cSld>
@@ -4679,10 +4685,10 @@
       </p:grpSpPr>
       <p:pic>
         <p:nvPicPr>
-          <p:cNvPr id="3" name="Picture 2" descr="Timeline&#10;&#10;Description automatically generated with medium confidence">
-            <a:extLst>
-              <a:ext uri="{FF2B5EF4-FFF2-40B4-BE49-F238E27FC236}">
-                <a16:creationId xmlns:a16="http://schemas.microsoft.com/office/drawing/2014/main" id="{26B4FE69-4BBA-4405-99E2-DFB3EA3ABEC1}"/>
+          <p:cNvPr id="3" name="Picture 2" descr="Timeline&#10;&#10;Description automatically generated">
+            <a:extLst>
+              <a:ext uri="{FF2B5EF4-FFF2-40B4-BE49-F238E27FC236}">
+                <a16:creationId xmlns:a16="http://schemas.microsoft.com/office/drawing/2014/main" id="{F9F5D672-2AD3-43D0-9FBD-8A597EC94E54}"/>
               </a:ext>
             </a:extLst>
           </p:cNvPr>
@@ -4716,7 +4722,7 @@
     </p:spTree>
     <p:extLst>
       <p:ext uri="{BB962C8B-B14F-4D97-AF65-F5344CB8AC3E}">
-        <p14:creationId xmlns:p14="http://schemas.microsoft.com/office/powerpoint/2010/main" val="319042280"/>
+        <p14:creationId xmlns:p14="http://schemas.microsoft.com/office/powerpoint/2010/main" val="1506702545"/>
       </p:ext>
     </p:extLst>
   </p:cSld>
@@ -4745,10 +4751,10 @@
       </p:grpSpPr>
       <p:pic>
         <p:nvPicPr>
-          <p:cNvPr id="4" name="Picture 3" descr="Chart, scatter chart&#10;&#10;Description automatically generated">
-            <a:extLst>
-              <a:ext uri="{FF2B5EF4-FFF2-40B4-BE49-F238E27FC236}">
-                <a16:creationId xmlns:a16="http://schemas.microsoft.com/office/drawing/2014/main" id="{5335829C-02C9-4161-B1E8-566F17D6DC77}"/>
+          <p:cNvPr id="10" name="Picture 9" descr="A picture containing graphical user interface&#10;&#10;Description automatically generated">
+            <a:extLst>
+              <a:ext uri="{FF2B5EF4-FFF2-40B4-BE49-F238E27FC236}">
+                <a16:creationId xmlns:a16="http://schemas.microsoft.com/office/drawing/2014/main" id="{01326F51-E972-448F-8290-E89EE30390F3}"/>
               </a:ext>
             </a:extLst>
           </p:cNvPr>
@@ -4771,8 +4777,8 @@
         </p:blipFill>
         <p:spPr>
           <a:xfrm>
-            <a:off x="0" y="524158"/>
-            <a:ext cx="5950534" cy="5950534"/>
+            <a:off x="0" y="412169"/>
+            <a:ext cx="6033662" cy="6033662"/>
           </a:xfrm>
           <a:prstGeom prst="rect">
             <a:avLst/>
@@ -4781,10 +4787,10 @@
       </p:pic>
       <p:pic>
         <p:nvPicPr>
-          <p:cNvPr id="3" name="Picture 2" descr="Chart, scatter chart&#10;&#10;Description automatically generated">
-            <a:extLst>
-              <a:ext uri="{FF2B5EF4-FFF2-40B4-BE49-F238E27FC236}">
-                <a16:creationId xmlns:a16="http://schemas.microsoft.com/office/drawing/2014/main" id="{0853DCBA-2728-439C-9426-6E125846FBEB}"/>
+          <p:cNvPr id="3" name="Picture 2" descr="Chart&#10;&#10;Description automatically generated">
+            <a:extLst>
+              <a:ext uri="{FF2B5EF4-FFF2-40B4-BE49-F238E27FC236}">
+                <a16:creationId xmlns:a16="http://schemas.microsoft.com/office/drawing/2014/main" id="{8C7B82B6-CED2-4680-B324-A986D0898178}"/>
               </a:ext>
             </a:extLst>
           </p:cNvPr>
@@ -4807,8 +4813,8 @@
         </p:blipFill>
         <p:spPr>
           <a:xfrm>
-            <a:off x="6241465" y="524158"/>
-            <a:ext cx="5950535" cy="5950535"/>
+            <a:off x="6158340" y="412169"/>
+            <a:ext cx="6033662" cy="6033662"/>
           </a:xfrm>
           <a:prstGeom prst="rect">
             <a:avLst/>
@@ -4818,7 +4824,7 @@
     </p:spTree>
     <p:extLst>
       <p:ext uri="{BB962C8B-B14F-4D97-AF65-F5344CB8AC3E}">
-        <p14:creationId xmlns:p14="http://schemas.microsoft.com/office/powerpoint/2010/main" val="1640157772"/>
+        <p14:creationId xmlns:p14="http://schemas.microsoft.com/office/powerpoint/2010/main" val="2156063097"/>
       </p:ext>
     </p:extLst>
   </p:cSld>
@@ -4850,7 +4856,7 @@
           <p:cNvPr id="3" name="Picture 2" descr="Timeline&#10;&#10;Description automatically generated">
             <a:extLst>
               <a:ext uri="{FF2B5EF4-FFF2-40B4-BE49-F238E27FC236}">
-                <a16:creationId xmlns:a16="http://schemas.microsoft.com/office/drawing/2014/main" id="{3703F25E-BCF1-4DA6-AEF8-8F1D9951E0DC}"/>
+                <a16:creationId xmlns:a16="http://schemas.microsoft.com/office/drawing/2014/main" id="{47F3603F-8532-4F4B-8F7D-0CF10AFAFD93}"/>
               </a:ext>
             </a:extLst>
           </p:cNvPr>
@@ -4884,7 +4890,7 @@
     </p:spTree>
     <p:extLst>
       <p:ext uri="{BB962C8B-B14F-4D97-AF65-F5344CB8AC3E}">
-        <p14:creationId xmlns:p14="http://schemas.microsoft.com/office/powerpoint/2010/main" val="2365870807"/>
+        <p14:creationId xmlns:p14="http://schemas.microsoft.com/office/powerpoint/2010/main" val="1649742910"/>
       </p:ext>
     </p:extLst>
   </p:cSld>
@@ -4913,10 +4919,10 @@
       </p:grpSpPr>
       <p:pic>
         <p:nvPicPr>
-          <p:cNvPr id="3" name="Picture 2" descr="Chart, scatter chart&#10;&#10;Description automatically generated">
-            <a:extLst>
-              <a:ext uri="{FF2B5EF4-FFF2-40B4-BE49-F238E27FC236}">
-                <a16:creationId xmlns:a16="http://schemas.microsoft.com/office/drawing/2014/main" id="{68D0F566-E266-4CA2-B0EA-F0EAAA4D2E8C}"/>
+          <p:cNvPr id="4" name="Picture 3" descr="A picture containing chart&#10;&#10;Description automatically generated">
+            <a:extLst>
+              <a:ext uri="{FF2B5EF4-FFF2-40B4-BE49-F238E27FC236}">
+                <a16:creationId xmlns:a16="http://schemas.microsoft.com/office/drawing/2014/main" id="{35D7F176-679C-4B10-A6B6-E306FC74E527}"/>
               </a:ext>
             </a:extLst>
           </p:cNvPr>
@@ -4939,8 +4945,8 @@
         </p:blipFill>
         <p:spPr>
           <a:xfrm>
-            <a:off x="0" y="330193"/>
-            <a:ext cx="6024425" cy="6024425"/>
+            <a:off x="0" y="398314"/>
+            <a:ext cx="6061371" cy="6061371"/>
           </a:xfrm>
           <a:prstGeom prst="rect">
             <a:avLst/>
@@ -4949,10 +4955,10 @@
       </p:pic>
       <p:pic>
         <p:nvPicPr>
-          <p:cNvPr id="4" name="Picture 3" descr="Chart&#10;&#10;Description automatically generated with low confidence">
-            <a:extLst>
-              <a:ext uri="{FF2B5EF4-FFF2-40B4-BE49-F238E27FC236}">
-                <a16:creationId xmlns:a16="http://schemas.microsoft.com/office/drawing/2014/main" id="{7017E4D6-2C18-4B22-8732-6E8AB551334A}"/>
+          <p:cNvPr id="3" name="Picture 2" descr="Chart&#10;&#10;Description automatically generated">
+            <a:extLst>
+              <a:ext uri="{FF2B5EF4-FFF2-40B4-BE49-F238E27FC236}">
+                <a16:creationId xmlns:a16="http://schemas.microsoft.com/office/drawing/2014/main" id="{EB5F8047-8227-4807-9EB5-47E891A408CB}"/>
               </a:ext>
             </a:extLst>
           </p:cNvPr>
@@ -4975,8 +4981,8 @@
         </p:blipFill>
         <p:spPr>
           <a:xfrm>
-            <a:off x="6167575" y="416787"/>
-            <a:ext cx="6024425" cy="6024425"/>
+            <a:off x="6130631" y="398313"/>
+            <a:ext cx="6061372" cy="6061372"/>
           </a:xfrm>
           <a:prstGeom prst="rect">
             <a:avLst/>
@@ -4986,7 +4992,7 @@
     </p:spTree>
     <p:extLst>
       <p:ext uri="{BB962C8B-B14F-4D97-AF65-F5344CB8AC3E}">
-        <p14:creationId xmlns:p14="http://schemas.microsoft.com/office/powerpoint/2010/main" val="3954721435"/>
+        <p14:creationId xmlns:p14="http://schemas.microsoft.com/office/powerpoint/2010/main" val="1996780853"/>
       </p:ext>
     </p:extLst>
   </p:cSld>
@@ -5015,10 +5021,10 @@
       </p:grpSpPr>
       <p:pic>
         <p:nvPicPr>
-          <p:cNvPr id="3" name="Picture 2" descr="A picture containing chart&#10;&#10;Description automatically generated">
-            <a:extLst>
-              <a:ext uri="{FF2B5EF4-FFF2-40B4-BE49-F238E27FC236}">
-                <a16:creationId xmlns:a16="http://schemas.microsoft.com/office/drawing/2014/main" id="{22205EDB-161D-4D82-A60B-D84BE1D2DB97}"/>
+          <p:cNvPr id="3" name="Picture 2" descr="Timeline&#10;&#10;Description automatically generated">
+            <a:extLst>
+              <a:ext uri="{FF2B5EF4-FFF2-40B4-BE49-F238E27FC236}">
+                <a16:creationId xmlns:a16="http://schemas.microsoft.com/office/drawing/2014/main" id="{26B458E5-E51F-49D3-91EB-586C86050D94}"/>
               </a:ext>
             </a:extLst>
           </p:cNvPr>
@@ -5052,7 +5058,7 @@
     </p:spTree>
     <p:extLst>
       <p:ext uri="{BB962C8B-B14F-4D97-AF65-F5344CB8AC3E}">
-        <p14:creationId xmlns:p14="http://schemas.microsoft.com/office/powerpoint/2010/main" val="3135050987"/>
+        <p14:creationId xmlns:p14="http://schemas.microsoft.com/office/powerpoint/2010/main" val="4167587943"/>
       </p:ext>
     </p:extLst>
   </p:cSld>
@@ -5081,10 +5087,10 @@
       </p:grpSpPr>
       <p:pic>
         <p:nvPicPr>
-          <p:cNvPr id="3" name="Picture 2" descr="A picture containing chart&#10;&#10;Description automatically generated">
-            <a:extLst>
-              <a:ext uri="{FF2B5EF4-FFF2-40B4-BE49-F238E27FC236}">
-                <a16:creationId xmlns:a16="http://schemas.microsoft.com/office/drawing/2014/main" id="{9BA31CF1-B41F-4475-A835-A4C5B3809037}"/>
+          <p:cNvPr id="4" name="Picture 3" descr="Timeline&#10;&#10;Description automatically generated with medium confidence">
+            <a:extLst>
+              <a:ext uri="{FF2B5EF4-FFF2-40B4-BE49-F238E27FC236}">
+                <a16:creationId xmlns:a16="http://schemas.microsoft.com/office/drawing/2014/main" id="{D4F0B2AD-D70C-4FF0-9838-832587DDBFF8}"/>
               </a:ext>
             </a:extLst>
           </p:cNvPr>
@@ -5107,8 +5113,8 @@
         </p:blipFill>
         <p:spPr>
           <a:xfrm>
-            <a:off x="0" y="431794"/>
-            <a:ext cx="6135262" cy="6135262"/>
+            <a:off x="0" y="404085"/>
+            <a:ext cx="5895116" cy="5895116"/>
           </a:xfrm>
           <a:prstGeom prst="rect">
             <a:avLst/>
@@ -5117,10 +5123,10 @@
       </p:pic>
       <p:pic>
         <p:nvPicPr>
-          <p:cNvPr id="4" name="Picture 3" descr="Chart&#10;&#10;Description automatically generated with medium confidence">
-            <a:extLst>
-              <a:ext uri="{FF2B5EF4-FFF2-40B4-BE49-F238E27FC236}">
-                <a16:creationId xmlns:a16="http://schemas.microsoft.com/office/drawing/2014/main" id="{D3A55E42-BA2A-4822-B466-645E4840EA33}"/>
+          <p:cNvPr id="3" name="Picture 2" descr="Chart&#10;&#10;Description automatically generated with medium confidence">
+            <a:extLst>
+              <a:ext uri="{FF2B5EF4-FFF2-40B4-BE49-F238E27FC236}">
+                <a16:creationId xmlns:a16="http://schemas.microsoft.com/office/drawing/2014/main" id="{BB847CB2-4567-4D24-9934-79168DD9F78F}"/>
               </a:ext>
             </a:extLst>
           </p:cNvPr>
@@ -5143,8 +5149,8 @@
         </p:blipFill>
         <p:spPr>
           <a:xfrm>
-            <a:off x="6096000" y="431794"/>
-            <a:ext cx="6135263" cy="6135263"/>
+            <a:off x="6296884" y="404085"/>
+            <a:ext cx="5895116" cy="5895116"/>
           </a:xfrm>
           <a:prstGeom prst="rect">
             <a:avLst/>
@@ -5154,7 +5160,7 @@
     </p:spTree>
     <p:extLst>
       <p:ext uri="{BB962C8B-B14F-4D97-AF65-F5344CB8AC3E}">
-        <p14:creationId xmlns:p14="http://schemas.microsoft.com/office/powerpoint/2010/main" val="1648930201"/>
+        <p14:creationId xmlns:p14="http://schemas.microsoft.com/office/powerpoint/2010/main" val="1278623933"/>
       </p:ext>
     </p:extLst>
   </p:cSld>
@@ -5183,10 +5189,10 @@
       </p:grpSpPr>
       <p:pic>
         <p:nvPicPr>
-          <p:cNvPr id="3" name="Picture 2" descr="A picture containing box and whisker chart&#10;&#10;Description automatically generated">
-            <a:extLst>
-              <a:ext uri="{FF2B5EF4-FFF2-40B4-BE49-F238E27FC236}">
-                <a16:creationId xmlns:a16="http://schemas.microsoft.com/office/drawing/2014/main" id="{20107D6A-FC06-4DC7-BB5E-BC11B452ECDD}"/>
+          <p:cNvPr id="3" name="Picture 2" descr="Timeline&#10;&#10;Description automatically generated with medium confidence">
+            <a:extLst>
+              <a:ext uri="{FF2B5EF4-FFF2-40B4-BE49-F238E27FC236}">
+                <a16:creationId xmlns:a16="http://schemas.microsoft.com/office/drawing/2014/main" id="{26B4FE69-4BBA-4405-99E2-DFB3EA3ABEC1}"/>
               </a:ext>
             </a:extLst>
           </p:cNvPr>
@@ -5220,7 +5226,7 @@
     </p:spTree>
     <p:extLst>
       <p:ext uri="{BB962C8B-B14F-4D97-AF65-F5344CB8AC3E}">
-        <p14:creationId xmlns:p14="http://schemas.microsoft.com/office/powerpoint/2010/main" val="2614205824"/>
+        <p14:creationId xmlns:p14="http://schemas.microsoft.com/office/powerpoint/2010/main" val="319042280"/>
       </p:ext>
     </p:extLst>
   </p:cSld>
@@ -5364,10 +5370,10 @@
       </p:grpSpPr>
       <p:pic>
         <p:nvPicPr>
-          <p:cNvPr id="3" name="Picture 2" descr="Timeline&#10;&#10;Description automatically generated with medium confidence">
-            <a:extLst>
-              <a:ext uri="{FF2B5EF4-FFF2-40B4-BE49-F238E27FC236}">
-                <a16:creationId xmlns:a16="http://schemas.microsoft.com/office/drawing/2014/main" id="{6680C0B3-76DD-4A47-8729-33A20CD975DD}"/>
+          <p:cNvPr id="4" name="Picture 3" descr="Chart, scatter chart&#10;&#10;Description automatically generated">
+            <a:extLst>
+              <a:ext uri="{FF2B5EF4-FFF2-40B4-BE49-F238E27FC236}">
+                <a16:creationId xmlns:a16="http://schemas.microsoft.com/office/drawing/2014/main" id="{5335829C-02C9-4161-B1E8-566F17D6DC77}"/>
               </a:ext>
             </a:extLst>
           </p:cNvPr>
@@ -5390,8 +5396,8 @@
         </p:blipFill>
         <p:spPr>
           <a:xfrm>
-            <a:off x="0" y="421405"/>
-            <a:ext cx="6015189" cy="6015189"/>
+            <a:off x="0" y="524158"/>
+            <a:ext cx="5950534" cy="5950534"/>
           </a:xfrm>
           <a:prstGeom prst="rect">
             <a:avLst/>
@@ -5400,10 +5406,10 @@
       </p:pic>
       <p:pic>
         <p:nvPicPr>
-          <p:cNvPr id="4" name="Picture 3" descr="Timeline&#10;&#10;Description automatically generated with medium confidence">
-            <a:extLst>
-              <a:ext uri="{FF2B5EF4-FFF2-40B4-BE49-F238E27FC236}">
-                <a16:creationId xmlns:a16="http://schemas.microsoft.com/office/drawing/2014/main" id="{684FCBB0-A150-4769-B71B-FC3AAA6F19B8}"/>
+          <p:cNvPr id="3" name="Picture 2" descr="Chart, scatter chart&#10;&#10;Description automatically generated">
+            <a:extLst>
+              <a:ext uri="{FF2B5EF4-FFF2-40B4-BE49-F238E27FC236}">
+                <a16:creationId xmlns:a16="http://schemas.microsoft.com/office/drawing/2014/main" id="{0853DCBA-2728-439C-9426-6E125846FBEB}"/>
               </a:ext>
             </a:extLst>
           </p:cNvPr>
@@ -5426,8 +5432,8 @@
         </p:blipFill>
         <p:spPr>
           <a:xfrm>
-            <a:off x="6096000" y="487213"/>
-            <a:ext cx="6015190" cy="6015190"/>
+            <a:off x="6241465" y="524158"/>
+            <a:ext cx="5950535" cy="5950535"/>
           </a:xfrm>
           <a:prstGeom prst="rect">
             <a:avLst/>
@@ -5437,7 +5443,7 @@
     </p:spTree>
     <p:extLst>
       <p:ext uri="{BB962C8B-B14F-4D97-AF65-F5344CB8AC3E}">
-        <p14:creationId xmlns:p14="http://schemas.microsoft.com/office/powerpoint/2010/main" val="661000082"/>
+        <p14:creationId xmlns:p14="http://schemas.microsoft.com/office/powerpoint/2010/main" val="1640157772"/>
       </p:ext>
     </p:extLst>
   </p:cSld>
@@ -5466,10 +5472,10 @@
       </p:grpSpPr>
       <p:pic>
         <p:nvPicPr>
-          <p:cNvPr id="3" name="Picture 2" descr="Timeline&#10;&#10;Description automatically generated with medium confidence">
-            <a:extLst>
-              <a:ext uri="{FF2B5EF4-FFF2-40B4-BE49-F238E27FC236}">
-                <a16:creationId xmlns:a16="http://schemas.microsoft.com/office/drawing/2014/main" id="{C2B84FDD-57C4-444C-A46B-42576812ACEC}"/>
+          <p:cNvPr id="3" name="Picture 2" descr="Timeline&#10;&#10;Description automatically generated">
+            <a:extLst>
+              <a:ext uri="{FF2B5EF4-FFF2-40B4-BE49-F238E27FC236}">
+                <a16:creationId xmlns:a16="http://schemas.microsoft.com/office/drawing/2014/main" id="{3703F25E-BCF1-4DA6-AEF8-8F1D9951E0DC}"/>
               </a:ext>
             </a:extLst>
           </p:cNvPr>
@@ -5503,7 +5509,7 @@
     </p:spTree>
     <p:extLst>
       <p:ext uri="{BB962C8B-B14F-4D97-AF65-F5344CB8AC3E}">
-        <p14:creationId xmlns:p14="http://schemas.microsoft.com/office/powerpoint/2010/main" val="3000017427"/>
+        <p14:creationId xmlns:p14="http://schemas.microsoft.com/office/powerpoint/2010/main" val="2365870807"/>
       </p:ext>
     </p:extLst>
   </p:cSld>
@@ -5532,6 +5538,510 @@
       </p:grpSpPr>
       <p:pic>
         <p:nvPicPr>
+          <p:cNvPr id="3" name="Picture 2" descr="Chart, scatter chart&#10;&#10;Description automatically generated">
+            <a:extLst>
+              <a:ext uri="{FF2B5EF4-FFF2-40B4-BE49-F238E27FC236}">
+                <a16:creationId xmlns:a16="http://schemas.microsoft.com/office/drawing/2014/main" id="{68D0F566-E266-4CA2-B0EA-F0EAAA4D2E8C}"/>
+              </a:ext>
+            </a:extLst>
+          </p:cNvPr>
+          <p:cNvPicPr>
+            <a:picLocks noChangeAspect="1"/>
+          </p:cNvPicPr>
+          <p:nvPr/>
+        </p:nvPicPr>
+        <p:blipFill>
+          <a:blip r:embed="rId2">
+            <a:extLst>
+              <a:ext uri="{28A0092B-C50C-407E-A947-70E740481C1C}">
+                <a14:useLocalDpi xmlns:a14="http://schemas.microsoft.com/office/drawing/2010/main" val="0"/>
+              </a:ext>
+            </a:extLst>
+          </a:blip>
+          <a:stretch>
+            <a:fillRect/>
+          </a:stretch>
+        </p:blipFill>
+        <p:spPr>
+          <a:xfrm>
+            <a:off x="0" y="330193"/>
+            <a:ext cx="6024425" cy="6024425"/>
+          </a:xfrm>
+          <a:prstGeom prst="rect">
+            <a:avLst/>
+          </a:prstGeom>
+        </p:spPr>
+      </p:pic>
+      <p:pic>
+        <p:nvPicPr>
+          <p:cNvPr id="4" name="Picture 3" descr="Chart&#10;&#10;Description automatically generated with low confidence">
+            <a:extLst>
+              <a:ext uri="{FF2B5EF4-FFF2-40B4-BE49-F238E27FC236}">
+                <a16:creationId xmlns:a16="http://schemas.microsoft.com/office/drawing/2014/main" id="{7017E4D6-2C18-4B22-8732-6E8AB551334A}"/>
+              </a:ext>
+            </a:extLst>
+          </p:cNvPr>
+          <p:cNvPicPr>
+            <a:picLocks noChangeAspect="1"/>
+          </p:cNvPicPr>
+          <p:nvPr/>
+        </p:nvPicPr>
+        <p:blipFill>
+          <a:blip r:embed="rId3">
+            <a:extLst>
+              <a:ext uri="{28A0092B-C50C-407E-A947-70E740481C1C}">
+                <a14:useLocalDpi xmlns:a14="http://schemas.microsoft.com/office/drawing/2010/main" val="0"/>
+              </a:ext>
+            </a:extLst>
+          </a:blip>
+          <a:stretch>
+            <a:fillRect/>
+          </a:stretch>
+        </p:blipFill>
+        <p:spPr>
+          <a:xfrm>
+            <a:off x="6167575" y="416787"/>
+            <a:ext cx="6024425" cy="6024425"/>
+          </a:xfrm>
+          <a:prstGeom prst="rect">
+            <a:avLst/>
+          </a:prstGeom>
+        </p:spPr>
+      </p:pic>
+    </p:spTree>
+    <p:extLst>
+      <p:ext uri="{BB962C8B-B14F-4D97-AF65-F5344CB8AC3E}">
+        <p14:creationId xmlns:p14="http://schemas.microsoft.com/office/powerpoint/2010/main" val="3954721435"/>
+      </p:ext>
+    </p:extLst>
+  </p:cSld>
+  <p:clrMapOvr>
+    <a:masterClrMapping/>
+  </p:clrMapOvr>
+</p:sld>
+</file>
+
+<file path=ppt/slides/slide33.xml><?xml version="1.0" encoding="utf-8"?>
+<p:sld xmlns:a="http://schemas.openxmlformats.org/drawingml/2006/main" xmlns:r="http://schemas.openxmlformats.org/officeDocument/2006/relationships" xmlns:p="http://schemas.openxmlformats.org/presentationml/2006/main">
+  <p:cSld>
+    <p:spTree>
+      <p:nvGrpSpPr>
+        <p:cNvPr id="1" name=""/>
+        <p:cNvGrpSpPr/>
+        <p:nvPr/>
+      </p:nvGrpSpPr>
+      <p:grpSpPr>
+        <a:xfrm>
+          <a:off x="0" y="0"/>
+          <a:ext cx="0" cy="0"/>
+          <a:chOff x="0" y="0"/>
+          <a:chExt cx="0" cy="0"/>
+        </a:xfrm>
+      </p:grpSpPr>
+      <p:pic>
+        <p:nvPicPr>
+          <p:cNvPr id="3" name="Picture 2" descr="A picture containing chart&#10;&#10;Description automatically generated">
+            <a:extLst>
+              <a:ext uri="{FF2B5EF4-FFF2-40B4-BE49-F238E27FC236}">
+                <a16:creationId xmlns:a16="http://schemas.microsoft.com/office/drawing/2014/main" id="{22205EDB-161D-4D82-A60B-D84BE1D2DB97}"/>
+              </a:ext>
+            </a:extLst>
+          </p:cNvPr>
+          <p:cNvPicPr>
+            <a:picLocks noChangeAspect="1"/>
+          </p:cNvPicPr>
+          <p:nvPr/>
+        </p:nvPicPr>
+        <p:blipFill>
+          <a:blip r:embed="rId2">
+            <a:extLst>
+              <a:ext uri="{28A0092B-C50C-407E-A947-70E740481C1C}">
+                <a14:useLocalDpi xmlns:a14="http://schemas.microsoft.com/office/drawing/2010/main" val="0"/>
+              </a:ext>
+            </a:extLst>
+          </a:blip>
+          <a:stretch>
+            <a:fillRect/>
+          </a:stretch>
+        </p:blipFill>
+        <p:spPr>
+          <a:xfrm>
+            <a:off x="2895593" y="228593"/>
+            <a:ext cx="6400813" cy="6400813"/>
+          </a:xfrm>
+          <a:prstGeom prst="rect">
+            <a:avLst/>
+          </a:prstGeom>
+        </p:spPr>
+      </p:pic>
+    </p:spTree>
+    <p:extLst>
+      <p:ext uri="{BB962C8B-B14F-4D97-AF65-F5344CB8AC3E}">
+        <p14:creationId xmlns:p14="http://schemas.microsoft.com/office/powerpoint/2010/main" val="3135050987"/>
+      </p:ext>
+    </p:extLst>
+  </p:cSld>
+  <p:clrMapOvr>
+    <a:masterClrMapping/>
+  </p:clrMapOvr>
+</p:sld>
+</file>
+
+<file path=ppt/slides/slide34.xml><?xml version="1.0" encoding="utf-8"?>
+<p:sld xmlns:a="http://schemas.openxmlformats.org/drawingml/2006/main" xmlns:r="http://schemas.openxmlformats.org/officeDocument/2006/relationships" xmlns:p="http://schemas.openxmlformats.org/presentationml/2006/main">
+  <p:cSld>
+    <p:spTree>
+      <p:nvGrpSpPr>
+        <p:cNvPr id="1" name=""/>
+        <p:cNvGrpSpPr/>
+        <p:nvPr/>
+      </p:nvGrpSpPr>
+      <p:grpSpPr>
+        <a:xfrm>
+          <a:off x="0" y="0"/>
+          <a:ext cx="0" cy="0"/>
+          <a:chOff x="0" y="0"/>
+          <a:chExt cx="0" cy="0"/>
+        </a:xfrm>
+      </p:grpSpPr>
+      <p:pic>
+        <p:nvPicPr>
+          <p:cNvPr id="3" name="Picture 2" descr="A picture containing chart&#10;&#10;Description automatically generated">
+            <a:extLst>
+              <a:ext uri="{FF2B5EF4-FFF2-40B4-BE49-F238E27FC236}">
+                <a16:creationId xmlns:a16="http://schemas.microsoft.com/office/drawing/2014/main" id="{9BA31CF1-B41F-4475-A835-A4C5B3809037}"/>
+              </a:ext>
+            </a:extLst>
+          </p:cNvPr>
+          <p:cNvPicPr>
+            <a:picLocks noChangeAspect="1"/>
+          </p:cNvPicPr>
+          <p:nvPr/>
+        </p:nvPicPr>
+        <p:blipFill>
+          <a:blip r:embed="rId2">
+            <a:extLst>
+              <a:ext uri="{28A0092B-C50C-407E-A947-70E740481C1C}">
+                <a14:useLocalDpi xmlns:a14="http://schemas.microsoft.com/office/drawing/2010/main" val="0"/>
+              </a:ext>
+            </a:extLst>
+          </a:blip>
+          <a:stretch>
+            <a:fillRect/>
+          </a:stretch>
+        </p:blipFill>
+        <p:spPr>
+          <a:xfrm>
+            <a:off x="0" y="431794"/>
+            <a:ext cx="6135262" cy="6135262"/>
+          </a:xfrm>
+          <a:prstGeom prst="rect">
+            <a:avLst/>
+          </a:prstGeom>
+        </p:spPr>
+      </p:pic>
+      <p:pic>
+        <p:nvPicPr>
+          <p:cNvPr id="4" name="Picture 3" descr="Chart&#10;&#10;Description automatically generated with medium confidence">
+            <a:extLst>
+              <a:ext uri="{FF2B5EF4-FFF2-40B4-BE49-F238E27FC236}">
+                <a16:creationId xmlns:a16="http://schemas.microsoft.com/office/drawing/2014/main" id="{D3A55E42-BA2A-4822-B466-645E4840EA33}"/>
+              </a:ext>
+            </a:extLst>
+          </p:cNvPr>
+          <p:cNvPicPr>
+            <a:picLocks noChangeAspect="1"/>
+          </p:cNvPicPr>
+          <p:nvPr/>
+        </p:nvPicPr>
+        <p:blipFill>
+          <a:blip r:embed="rId3">
+            <a:extLst>
+              <a:ext uri="{28A0092B-C50C-407E-A947-70E740481C1C}">
+                <a14:useLocalDpi xmlns:a14="http://schemas.microsoft.com/office/drawing/2010/main" val="0"/>
+              </a:ext>
+            </a:extLst>
+          </a:blip>
+          <a:stretch>
+            <a:fillRect/>
+          </a:stretch>
+        </p:blipFill>
+        <p:spPr>
+          <a:xfrm>
+            <a:off x="6096000" y="431794"/>
+            <a:ext cx="6135263" cy="6135263"/>
+          </a:xfrm>
+          <a:prstGeom prst="rect">
+            <a:avLst/>
+          </a:prstGeom>
+        </p:spPr>
+      </p:pic>
+    </p:spTree>
+    <p:extLst>
+      <p:ext uri="{BB962C8B-B14F-4D97-AF65-F5344CB8AC3E}">
+        <p14:creationId xmlns:p14="http://schemas.microsoft.com/office/powerpoint/2010/main" val="1648930201"/>
+      </p:ext>
+    </p:extLst>
+  </p:cSld>
+  <p:clrMapOvr>
+    <a:masterClrMapping/>
+  </p:clrMapOvr>
+</p:sld>
+</file>
+
+<file path=ppt/slides/slide35.xml><?xml version="1.0" encoding="utf-8"?>
+<p:sld xmlns:a="http://schemas.openxmlformats.org/drawingml/2006/main" xmlns:r="http://schemas.openxmlformats.org/officeDocument/2006/relationships" xmlns:p="http://schemas.openxmlformats.org/presentationml/2006/main">
+  <p:cSld>
+    <p:spTree>
+      <p:nvGrpSpPr>
+        <p:cNvPr id="1" name=""/>
+        <p:cNvGrpSpPr/>
+        <p:nvPr/>
+      </p:nvGrpSpPr>
+      <p:grpSpPr>
+        <a:xfrm>
+          <a:off x="0" y="0"/>
+          <a:ext cx="0" cy="0"/>
+          <a:chOff x="0" y="0"/>
+          <a:chExt cx="0" cy="0"/>
+        </a:xfrm>
+      </p:grpSpPr>
+      <p:pic>
+        <p:nvPicPr>
+          <p:cNvPr id="3" name="Picture 2" descr="A picture containing box and whisker chart&#10;&#10;Description automatically generated">
+            <a:extLst>
+              <a:ext uri="{FF2B5EF4-FFF2-40B4-BE49-F238E27FC236}">
+                <a16:creationId xmlns:a16="http://schemas.microsoft.com/office/drawing/2014/main" id="{20107D6A-FC06-4DC7-BB5E-BC11B452ECDD}"/>
+              </a:ext>
+            </a:extLst>
+          </p:cNvPr>
+          <p:cNvPicPr>
+            <a:picLocks noChangeAspect="1"/>
+          </p:cNvPicPr>
+          <p:nvPr/>
+        </p:nvPicPr>
+        <p:blipFill>
+          <a:blip r:embed="rId2">
+            <a:extLst>
+              <a:ext uri="{28A0092B-C50C-407E-A947-70E740481C1C}">
+                <a14:useLocalDpi xmlns:a14="http://schemas.microsoft.com/office/drawing/2010/main" val="0"/>
+              </a:ext>
+            </a:extLst>
+          </a:blip>
+          <a:stretch>
+            <a:fillRect/>
+          </a:stretch>
+        </p:blipFill>
+        <p:spPr>
+          <a:xfrm>
+            <a:off x="2895593" y="228593"/>
+            <a:ext cx="6400813" cy="6400813"/>
+          </a:xfrm>
+          <a:prstGeom prst="rect">
+            <a:avLst/>
+          </a:prstGeom>
+        </p:spPr>
+      </p:pic>
+    </p:spTree>
+    <p:extLst>
+      <p:ext uri="{BB962C8B-B14F-4D97-AF65-F5344CB8AC3E}">
+        <p14:creationId xmlns:p14="http://schemas.microsoft.com/office/powerpoint/2010/main" val="2614205824"/>
+      </p:ext>
+    </p:extLst>
+  </p:cSld>
+  <p:clrMapOvr>
+    <a:masterClrMapping/>
+  </p:clrMapOvr>
+</p:sld>
+</file>
+
+<file path=ppt/slides/slide36.xml><?xml version="1.0" encoding="utf-8"?>
+<p:sld xmlns:a="http://schemas.openxmlformats.org/drawingml/2006/main" xmlns:r="http://schemas.openxmlformats.org/officeDocument/2006/relationships" xmlns:p="http://schemas.openxmlformats.org/presentationml/2006/main">
+  <p:cSld>
+    <p:spTree>
+      <p:nvGrpSpPr>
+        <p:cNvPr id="1" name=""/>
+        <p:cNvGrpSpPr/>
+        <p:nvPr/>
+      </p:nvGrpSpPr>
+      <p:grpSpPr>
+        <a:xfrm>
+          <a:off x="0" y="0"/>
+          <a:ext cx="0" cy="0"/>
+          <a:chOff x="0" y="0"/>
+          <a:chExt cx="0" cy="0"/>
+        </a:xfrm>
+      </p:grpSpPr>
+      <p:pic>
+        <p:nvPicPr>
+          <p:cNvPr id="3" name="Picture 2" descr="Timeline&#10;&#10;Description automatically generated with medium confidence">
+            <a:extLst>
+              <a:ext uri="{FF2B5EF4-FFF2-40B4-BE49-F238E27FC236}">
+                <a16:creationId xmlns:a16="http://schemas.microsoft.com/office/drawing/2014/main" id="{6680C0B3-76DD-4A47-8729-33A20CD975DD}"/>
+              </a:ext>
+            </a:extLst>
+          </p:cNvPr>
+          <p:cNvPicPr>
+            <a:picLocks noChangeAspect="1"/>
+          </p:cNvPicPr>
+          <p:nvPr/>
+        </p:nvPicPr>
+        <p:blipFill>
+          <a:blip r:embed="rId2">
+            <a:extLst>
+              <a:ext uri="{28A0092B-C50C-407E-A947-70E740481C1C}">
+                <a14:useLocalDpi xmlns:a14="http://schemas.microsoft.com/office/drawing/2010/main" val="0"/>
+              </a:ext>
+            </a:extLst>
+          </a:blip>
+          <a:stretch>
+            <a:fillRect/>
+          </a:stretch>
+        </p:blipFill>
+        <p:spPr>
+          <a:xfrm>
+            <a:off x="0" y="421405"/>
+            <a:ext cx="6015189" cy="6015189"/>
+          </a:xfrm>
+          <a:prstGeom prst="rect">
+            <a:avLst/>
+          </a:prstGeom>
+        </p:spPr>
+      </p:pic>
+      <p:pic>
+        <p:nvPicPr>
+          <p:cNvPr id="4" name="Picture 3" descr="Timeline&#10;&#10;Description automatically generated with medium confidence">
+            <a:extLst>
+              <a:ext uri="{FF2B5EF4-FFF2-40B4-BE49-F238E27FC236}">
+                <a16:creationId xmlns:a16="http://schemas.microsoft.com/office/drawing/2014/main" id="{684FCBB0-A150-4769-B71B-FC3AAA6F19B8}"/>
+              </a:ext>
+            </a:extLst>
+          </p:cNvPr>
+          <p:cNvPicPr>
+            <a:picLocks noChangeAspect="1"/>
+          </p:cNvPicPr>
+          <p:nvPr/>
+        </p:nvPicPr>
+        <p:blipFill>
+          <a:blip r:embed="rId3">
+            <a:extLst>
+              <a:ext uri="{28A0092B-C50C-407E-A947-70E740481C1C}">
+                <a14:useLocalDpi xmlns:a14="http://schemas.microsoft.com/office/drawing/2010/main" val="0"/>
+              </a:ext>
+            </a:extLst>
+          </a:blip>
+          <a:stretch>
+            <a:fillRect/>
+          </a:stretch>
+        </p:blipFill>
+        <p:spPr>
+          <a:xfrm>
+            <a:off x="6096000" y="487213"/>
+            <a:ext cx="6015190" cy="6015190"/>
+          </a:xfrm>
+          <a:prstGeom prst="rect">
+            <a:avLst/>
+          </a:prstGeom>
+        </p:spPr>
+      </p:pic>
+    </p:spTree>
+    <p:extLst>
+      <p:ext uri="{BB962C8B-B14F-4D97-AF65-F5344CB8AC3E}">
+        <p14:creationId xmlns:p14="http://schemas.microsoft.com/office/powerpoint/2010/main" val="661000082"/>
+      </p:ext>
+    </p:extLst>
+  </p:cSld>
+  <p:clrMapOvr>
+    <a:masterClrMapping/>
+  </p:clrMapOvr>
+</p:sld>
+</file>
+
+<file path=ppt/slides/slide37.xml><?xml version="1.0" encoding="utf-8"?>
+<p:sld xmlns:a="http://schemas.openxmlformats.org/drawingml/2006/main" xmlns:r="http://schemas.openxmlformats.org/officeDocument/2006/relationships" xmlns:p="http://schemas.openxmlformats.org/presentationml/2006/main">
+  <p:cSld>
+    <p:spTree>
+      <p:nvGrpSpPr>
+        <p:cNvPr id="1" name=""/>
+        <p:cNvGrpSpPr/>
+        <p:nvPr/>
+      </p:nvGrpSpPr>
+      <p:grpSpPr>
+        <a:xfrm>
+          <a:off x="0" y="0"/>
+          <a:ext cx="0" cy="0"/>
+          <a:chOff x="0" y="0"/>
+          <a:chExt cx="0" cy="0"/>
+        </a:xfrm>
+      </p:grpSpPr>
+      <p:pic>
+        <p:nvPicPr>
+          <p:cNvPr id="3" name="Picture 2" descr="Timeline&#10;&#10;Description automatically generated with medium confidence">
+            <a:extLst>
+              <a:ext uri="{FF2B5EF4-FFF2-40B4-BE49-F238E27FC236}">
+                <a16:creationId xmlns:a16="http://schemas.microsoft.com/office/drawing/2014/main" id="{C2B84FDD-57C4-444C-A46B-42576812ACEC}"/>
+              </a:ext>
+            </a:extLst>
+          </p:cNvPr>
+          <p:cNvPicPr>
+            <a:picLocks noChangeAspect="1"/>
+          </p:cNvPicPr>
+          <p:nvPr/>
+        </p:nvPicPr>
+        <p:blipFill>
+          <a:blip r:embed="rId2">
+            <a:extLst>
+              <a:ext uri="{28A0092B-C50C-407E-A947-70E740481C1C}">
+                <a14:useLocalDpi xmlns:a14="http://schemas.microsoft.com/office/drawing/2010/main" val="0"/>
+              </a:ext>
+            </a:extLst>
+          </a:blip>
+          <a:stretch>
+            <a:fillRect/>
+          </a:stretch>
+        </p:blipFill>
+        <p:spPr>
+          <a:xfrm>
+            <a:off x="2895593" y="228593"/>
+            <a:ext cx="6400813" cy="6400813"/>
+          </a:xfrm>
+          <a:prstGeom prst="rect">
+            <a:avLst/>
+          </a:prstGeom>
+        </p:spPr>
+      </p:pic>
+    </p:spTree>
+    <p:extLst>
+      <p:ext uri="{BB962C8B-B14F-4D97-AF65-F5344CB8AC3E}">
+        <p14:creationId xmlns:p14="http://schemas.microsoft.com/office/powerpoint/2010/main" val="3000017427"/>
+      </p:ext>
+    </p:extLst>
+  </p:cSld>
+  <p:clrMapOvr>
+    <a:masterClrMapping/>
+  </p:clrMapOvr>
+</p:sld>
+</file>
+
+<file path=ppt/slides/slide38.xml><?xml version="1.0" encoding="utf-8"?>
+<p:sld xmlns:a="http://schemas.openxmlformats.org/drawingml/2006/main" xmlns:r="http://schemas.openxmlformats.org/officeDocument/2006/relationships" xmlns:p="http://schemas.openxmlformats.org/presentationml/2006/main">
+  <p:cSld>
+    <p:spTree>
+      <p:nvGrpSpPr>
+        <p:cNvPr id="1" name=""/>
+        <p:cNvGrpSpPr/>
+        <p:nvPr/>
+      </p:nvGrpSpPr>
+      <p:grpSpPr>
+        <a:xfrm>
+          <a:off x="0" y="0"/>
+          <a:ext cx="0" cy="0"/>
+          <a:chOff x="0" y="0"/>
+          <a:chExt cx="0" cy="0"/>
+        </a:xfrm>
+      </p:grpSpPr>
+      <p:pic>
+        <p:nvPicPr>
           <p:cNvPr id="3" name="Picture 2" descr="Timeline&#10;&#10;Description automatically generated">
             <a:extLst>
               <a:ext uri="{FF2B5EF4-FFF2-40B4-BE49-F238E27FC236}">
@@ -5615,7 +6125,7 @@
 </p:sld>
 </file>
 
-<file path=ppt/slides/slide33.xml><?xml version="1.0" encoding="utf-8"?>
+<file path=ppt/slides/slide39.xml><?xml version="1.0" encoding="utf-8"?>
 <p:sld xmlns:a="http://schemas.openxmlformats.org/drawingml/2006/main" xmlns:r="http://schemas.openxmlformats.org/officeDocument/2006/relationships" xmlns:p="http://schemas.openxmlformats.org/presentationml/2006/main">
   <p:cSld>
     <p:spTree>
@@ -5700,10 +6210,10 @@
       </p:grpSpPr>
       <p:pic>
         <p:nvPicPr>
-          <p:cNvPr id="8" name="Picture 7" descr="A picture containing chart&#10;&#10;Description automatically generated">
-            <a:extLst>
-              <a:ext uri="{FF2B5EF4-FFF2-40B4-BE49-F238E27FC236}">
-                <a16:creationId xmlns:a16="http://schemas.microsoft.com/office/drawing/2014/main" id="{69A15BE8-CA41-4F51-82E0-A6F326C18457}"/>
+          <p:cNvPr id="3" name="Picture 2" descr="Chart, bar chart&#10;&#10;Description automatically generated">
+            <a:extLst>
+              <a:ext uri="{FF2B5EF4-FFF2-40B4-BE49-F238E27FC236}">
+                <a16:creationId xmlns:a16="http://schemas.microsoft.com/office/drawing/2014/main" id="{0731C7EB-9A46-43ED-A3BC-C46F9EAB6372}"/>
               </a:ext>
             </a:extLst>
           </p:cNvPr>
@@ -5726,54 +6236,53 @@
         </p:blipFill>
         <p:spPr>
           <a:xfrm>
-            <a:off x="291879" y="228594"/>
-            <a:ext cx="5804122" cy="5804122"/>
+            <a:off x="546931" y="210842"/>
+            <a:ext cx="7332169" cy="6647158"/>
           </a:xfrm>
           <a:prstGeom prst="rect">
             <a:avLst/>
           </a:prstGeom>
         </p:spPr>
       </p:pic>
-      <p:pic>
-        <p:nvPicPr>
-          <p:cNvPr id="3" name="Picture 2" descr="A picture containing chart&#10;&#10;Description automatically generated">
-            <a:extLst>
-              <a:ext uri="{FF2B5EF4-FFF2-40B4-BE49-F238E27FC236}">
-                <a16:creationId xmlns:a16="http://schemas.microsoft.com/office/drawing/2014/main" id="{992498BD-ADAA-4357-AEE1-99E1FA4E6224}"/>
-              </a:ext>
-            </a:extLst>
-          </p:cNvPr>
-          <p:cNvPicPr>
-            <a:picLocks noChangeAspect="1"/>
-          </p:cNvPicPr>
+      <p:sp>
+        <p:nvSpPr>
+          <p:cNvPr id="4" name="TextBox 3">
+            <a:extLst>
+              <a:ext uri="{FF2B5EF4-FFF2-40B4-BE49-F238E27FC236}">
+                <a16:creationId xmlns:a16="http://schemas.microsoft.com/office/drawing/2014/main" id="{183BC8BC-280C-42C6-B800-9A63CBEE8971}"/>
+              </a:ext>
+            </a:extLst>
+          </p:cNvPr>
+          <p:cNvSpPr txBox="1"/>
           <p:nvPr/>
-        </p:nvPicPr>
-        <p:blipFill>
-          <a:blip r:embed="rId3">
-            <a:extLst>
-              <a:ext uri="{28A0092B-C50C-407E-A947-70E740481C1C}">
-                <a14:useLocalDpi xmlns:a14="http://schemas.microsoft.com/office/drawing/2010/main" val="0"/>
-              </a:ext>
-            </a:extLst>
-          </a:blip>
-          <a:stretch>
-            <a:fillRect/>
-          </a:stretch>
-        </p:blipFill>
-        <p:spPr>
-          <a:xfrm>
-            <a:off x="6329251" y="294617"/>
-            <a:ext cx="5738099" cy="5738099"/>
+        </p:nvSpPr>
+        <p:spPr>
+          <a:xfrm>
+            <a:off x="7571573" y="5930781"/>
+            <a:ext cx="3555051" cy="646331"/>
           </a:xfrm>
           <a:prstGeom prst="rect">
             <a:avLst/>
           </a:prstGeom>
-        </p:spPr>
-      </p:pic>
+          <a:noFill/>
+        </p:spPr>
+        <p:txBody>
+          <a:bodyPr wrap="square" rtlCol="0">
+            <a:spAutoFit/>
+          </a:bodyPr>
+          <a:lstStyle/>
+          <a:p>
+            <a:r>
+              <a:rPr lang="en-US" dirty="0"/>
+              <a:t>Ordered by difference in estimates (ascending up)</a:t>
+            </a:r>
+          </a:p>
+        </p:txBody>
+      </p:sp>
     </p:spTree>
     <p:extLst>
       <p:ext uri="{BB962C8B-B14F-4D97-AF65-F5344CB8AC3E}">
-        <p14:creationId xmlns:p14="http://schemas.microsoft.com/office/powerpoint/2010/main" val="960449506"/>
+        <p14:creationId xmlns:p14="http://schemas.microsoft.com/office/powerpoint/2010/main" val="2992254908"/>
       </p:ext>
     </p:extLst>
   </p:cSld>
@@ -5802,10 +6311,10 @@
       </p:grpSpPr>
       <p:pic>
         <p:nvPicPr>
-          <p:cNvPr id="3" name="Picture 2" descr="Timeline&#10;&#10;Description automatically generated">
-            <a:extLst>
-              <a:ext uri="{FF2B5EF4-FFF2-40B4-BE49-F238E27FC236}">
-                <a16:creationId xmlns:a16="http://schemas.microsoft.com/office/drawing/2014/main" id="{5F922795-890F-40A0-B1B5-4025F19ECA39}"/>
+          <p:cNvPr id="3" name="Picture 2" descr="Chart, bar chart&#10;&#10;Description automatically generated">
+            <a:extLst>
+              <a:ext uri="{FF2B5EF4-FFF2-40B4-BE49-F238E27FC236}">
+                <a16:creationId xmlns:a16="http://schemas.microsoft.com/office/drawing/2014/main" id="{DE93C60A-983A-482D-BAEB-869C6EA9BEA6}"/>
               </a:ext>
             </a:extLst>
           </p:cNvPr>
@@ -5828,18 +6337,53 @@
         </p:blipFill>
         <p:spPr>
           <a:xfrm>
-            <a:off x="2895593" y="228593"/>
-            <a:ext cx="6400813" cy="6400813"/>
+            <a:off x="422206" y="208622"/>
+            <a:ext cx="7792537" cy="6649378"/>
           </a:xfrm>
           <a:prstGeom prst="rect">
             <a:avLst/>
           </a:prstGeom>
         </p:spPr>
       </p:pic>
+      <p:sp>
+        <p:nvSpPr>
+          <p:cNvPr id="4" name="TextBox 3">
+            <a:extLst>
+              <a:ext uri="{FF2B5EF4-FFF2-40B4-BE49-F238E27FC236}">
+                <a16:creationId xmlns:a16="http://schemas.microsoft.com/office/drawing/2014/main" id="{D550EBE2-5856-4BDF-9F38-3F13A356771E}"/>
+              </a:ext>
+            </a:extLst>
+          </p:cNvPr>
+          <p:cNvSpPr txBox="1"/>
+          <p:nvPr/>
+        </p:nvSpPr>
+        <p:spPr>
+          <a:xfrm>
+            <a:off x="8409061" y="5930781"/>
+            <a:ext cx="3555051" cy="369332"/>
+          </a:xfrm>
+          <a:prstGeom prst="rect">
+            <a:avLst/>
+          </a:prstGeom>
+          <a:noFill/>
+        </p:spPr>
+        <p:txBody>
+          <a:bodyPr wrap="square" rtlCol="0">
+            <a:spAutoFit/>
+          </a:bodyPr>
+          <a:lstStyle/>
+          <a:p>
+            <a:r>
+              <a:rPr lang="en-US" dirty="0"/>
+              <a:t>Ordered by error (ascending up)</a:t>
+            </a:r>
+          </a:p>
+        </p:txBody>
+      </p:sp>
     </p:spTree>
     <p:extLst>
       <p:ext uri="{BB962C8B-B14F-4D97-AF65-F5344CB8AC3E}">
-        <p14:creationId xmlns:p14="http://schemas.microsoft.com/office/powerpoint/2010/main" val="1846668012"/>
+        <p14:creationId xmlns:p14="http://schemas.microsoft.com/office/powerpoint/2010/main" val="2316923358"/>
       </p:ext>
     </p:extLst>
   </p:cSld>
@@ -5868,10 +6412,10 @@
       </p:grpSpPr>
       <p:pic>
         <p:nvPicPr>
-          <p:cNvPr id="6" name="Picture 5" descr="Chart, scatter chart&#10;&#10;Description automatically generated">
-            <a:extLst>
-              <a:ext uri="{FF2B5EF4-FFF2-40B4-BE49-F238E27FC236}">
-                <a16:creationId xmlns:a16="http://schemas.microsoft.com/office/drawing/2014/main" id="{A8F83C00-6734-4ACC-B4C1-88D8835ED999}"/>
+          <p:cNvPr id="3" name="Picture 2" descr="Chart&#10;&#10;Description automatically generated">
+            <a:extLst>
+              <a:ext uri="{FF2B5EF4-FFF2-40B4-BE49-F238E27FC236}">
+                <a16:creationId xmlns:a16="http://schemas.microsoft.com/office/drawing/2014/main" id="{5C7F090A-F00A-4EE1-8726-D69546448051}"/>
               </a:ext>
             </a:extLst>
           </p:cNvPr>
@@ -5894,54 +6438,53 @@
         </p:blipFill>
         <p:spPr>
           <a:xfrm>
-            <a:off x="92363" y="472205"/>
-            <a:ext cx="5913589" cy="5913589"/>
+            <a:off x="184462" y="104311"/>
+            <a:ext cx="7430537" cy="6649378"/>
           </a:xfrm>
           <a:prstGeom prst="rect">
             <a:avLst/>
           </a:prstGeom>
         </p:spPr>
       </p:pic>
-      <p:pic>
-        <p:nvPicPr>
-          <p:cNvPr id="3" name="Picture 2" descr="Chart&#10;&#10;Description automatically generated">
-            <a:extLst>
-              <a:ext uri="{FF2B5EF4-FFF2-40B4-BE49-F238E27FC236}">
-                <a16:creationId xmlns:a16="http://schemas.microsoft.com/office/drawing/2014/main" id="{6EC8475E-0524-4327-B0B0-B7B3BAEC89B5}"/>
-              </a:ext>
-            </a:extLst>
-          </p:cNvPr>
-          <p:cNvPicPr>
-            <a:picLocks noChangeAspect="1"/>
-          </p:cNvPicPr>
+      <p:sp>
+        <p:nvSpPr>
+          <p:cNvPr id="4" name="TextBox 3">
+            <a:extLst>
+              <a:ext uri="{FF2B5EF4-FFF2-40B4-BE49-F238E27FC236}">
+                <a16:creationId xmlns:a16="http://schemas.microsoft.com/office/drawing/2014/main" id="{5DBF6A40-451C-4457-9A5D-6BEACD8BEEDC}"/>
+              </a:ext>
+            </a:extLst>
+          </p:cNvPr>
+          <p:cNvSpPr txBox="1"/>
           <p:nvPr/>
-        </p:nvPicPr>
-        <p:blipFill>
-          <a:blip r:embed="rId3">
-            <a:extLst>
-              <a:ext uri="{28A0092B-C50C-407E-A947-70E740481C1C}">
-                <a14:useLocalDpi xmlns:a14="http://schemas.microsoft.com/office/drawing/2010/main" val="0"/>
-              </a:ext>
-            </a:extLst>
-          </a:blip>
-          <a:stretch>
-            <a:fillRect/>
-          </a:stretch>
-        </p:blipFill>
-        <p:spPr>
-          <a:xfrm>
-            <a:off x="6096000" y="472204"/>
-            <a:ext cx="5913589" cy="5913589"/>
+        </p:nvSpPr>
+        <p:spPr>
+          <a:xfrm>
+            <a:off x="8024500" y="5930781"/>
+            <a:ext cx="4050707" cy="369332"/>
           </a:xfrm>
           <a:prstGeom prst="rect">
             <a:avLst/>
           </a:prstGeom>
-        </p:spPr>
-      </p:pic>
+          <a:noFill/>
+        </p:spPr>
+        <p:txBody>
+          <a:bodyPr wrap="square" rtlCol="0">
+            <a:spAutoFit/>
+          </a:bodyPr>
+          <a:lstStyle/>
+          <a:p>
+            <a:r>
+              <a:rPr lang="en-US" dirty="0"/>
+              <a:t>Ordered by correlation (ascending up)</a:t>
+            </a:r>
+          </a:p>
+        </p:txBody>
+      </p:sp>
     </p:spTree>
     <p:extLst>
       <p:ext uri="{BB962C8B-B14F-4D97-AF65-F5344CB8AC3E}">
-        <p14:creationId xmlns:p14="http://schemas.microsoft.com/office/powerpoint/2010/main" val="1551400123"/>
+        <p14:creationId xmlns:p14="http://schemas.microsoft.com/office/powerpoint/2010/main" val="3465541061"/>
       </p:ext>
     </p:extLst>
   </p:cSld>
@@ -5970,10 +6513,10 @@
       </p:grpSpPr>
       <p:pic>
         <p:nvPicPr>
-          <p:cNvPr id="3" name="Picture 2" descr="Timeline&#10;&#10;Description automatically generated with medium confidence">
-            <a:extLst>
-              <a:ext uri="{FF2B5EF4-FFF2-40B4-BE49-F238E27FC236}">
-                <a16:creationId xmlns:a16="http://schemas.microsoft.com/office/drawing/2014/main" id="{F5B67800-D6D7-4D65-99A0-B8A94FBF85CB}"/>
+          <p:cNvPr id="3" name="Picture 2" descr="Chart&#10;&#10;Description automatically generated">
+            <a:extLst>
+              <a:ext uri="{FF2B5EF4-FFF2-40B4-BE49-F238E27FC236}">
+                <a16:creationId xmlns:a16="http://schemas.microsoft.com/office/drawing/2014/main" id="{AA1D138A-EFF3-430F-B6A5-9917D4D98112}"/>
               </a:ext>
             </a:extLst>
           </p:cNvPr>
@@ -5996,18 +6539,53 @@
         </p:blipFill>
         <p:spPr>
           <a:xfrm>
-            <a:off x="2895593" y="228593"/>
-            <a:ext cx="6400813" cy="6400813"/>
+            <a:off x="423744" y="285311"/>
+            <a:ext cx="7430537" cy="6287377"/>
           </a:xfrm>
           <a:prstGeom prst="rect">
             <a:avLst/>
           </a:prstGeom>
         </p:spPr>
       </p:pic>
+      <p:sp>
+        <p:nvSpPr>
+          <p:cNvPr id="4" name="TextBox 3">
+            <a:extLst>
+              <a:ext uri="{FF2B5EF4-FFF2-40B4-BE49-F238E27FC236}">
+                <a16:creationId xmlns:a16="http://schemas.microsoft.com/office/drawing/2014/main" id="{28C209C2-FA7D-42F7-B3D2-E9F5F6474F8A}"/>
+              </a:ext>
+            </a:extLst>
+          </p:cNvPr>
+          <p:cNvSpPr txBox="1"/>
+          <p:nvPr/>
+        </p:nvSpPr>
+        <p:spPr>
+          <a:xfrm>
+            <a:off x="7964679" y="5725682"/>
+            <a:ext cx="3555051" cy="646331"/>
+          </a:xfrm>
+          <a:prstGeom prst="rect">
+            <a:avLst/>
+          </a:prstGeom>
+          <a:noFill/>
+        </p:spPr>
+        <p:txBody>
+          <a:bodyPr wrap="square" rtlCol="0">
+            <a:spAutoFit/>
+          </a:bodyPr>
+          <a:lstStyle/>
+          <a:p>
+            <a:r>
+              <a:rPr lang="en-US" dirty="0"/>
+              <a:t>Ordered by difference in estimates (ascending up)</a:t>
+            </a:r>
+          </a:p>
+        </p:txBody>
+      </p:sp>
     </p:spTree>
     <p:extLst>
       <p:ext uri="{BB962C8B-B14F-4D97-AF65-F5344CB8AC3E}">
-        <p14:creationId xmlns:p14="http://schemas.microsoft.com/office/powerpoint/2010/main" val="1578450840"/>
+        <p14:creationId xmlns:p14="http://schemas.microsoft.com/office/powerpoint/2010/main" val="3984743591"/>
       </p:ext>
     </p:extLst>
   </p:cSld>
@@ -6036,10 +6614,10 @@
       </p:grpSpPr>
       <p:pic>
         <p:nvPicPr>
-          <p:cNvPr id="6" name="Picture 5" descr="A picture containing timeline&#10;&#10;Description automatically generated">
-            <a:extLst>
-              <a:ext uri="{FF2B5EF4-FFF2-40B4-BE49-F238E27FC236}">
-                <a16:creationId xmlns:a16="http://schemas.microsoft.com/office/drawing/2014/main" id="{7A827C17-1953-4320-B332-39198BED56F8}"/>
+          <p:cNvPr id="3" name="Picture 2" descr="Chart, bar chart&#10;&#10;Description automatically generated">
+            <a:extLst>
+              <a:ext uri="{FF2B5EF4-FFF2-40B4-BE49-F238E27FC236}">
+                <a16:creationId xmlns:a16="http://schemas.microsoft.com/office/drawing/2014/main" id="{283E0D19-A3FA-4A68-9C34-58F563756950}"/>
               </a:ext>
             </a:extLst>
           </p:cNvPr>
@@ -6062,54 +6640,53 @@
         </p:blipFill>
         <p:spPr>
           <a:xfrm>
-            <a:off x="0" y="449114"/>
-            <a:ext cx="5959771" cy="5959771"/>
+            <a:off x="432992" y="151942"/>
+            <a:ext cx="7582958" cy="6554115"/>
           </a:xfrm>
           <a:prstGeom prst="rect">
             <a:avLst/>
           </a:prstGeom>
         </p:spPr>
       </p:pic>
-      <p:pic>
-        <p:nvPicPr>
-          <p:cNvPr id="3" name="Picture 2" descr="Timeline&#10;&#10;Description automatically generated with low confidence">
-            <a:extLst>
-              <a:ext uri="{FF2B5EF4-FFF2-40B4-BE49-F238E27FC236}">
-                <a16:creationId xmlns:a16="http://schemas.microsoft.com/office/drawing/2014/main" id="{0479A7E5-F988-45B4-8F53-9889BEACA627}"/>
-              </a:ext>
-            </a:extLst>
-          </p:cNvPr>
-          <p:cNvPicPr>
-            <a:picLocks noChangeAspect="1"/>
-          </p:cNvPicPr>
+      <p:sp>
+        <p:nvSpPr>
+          <p:cNvPr id="4" name="TextBox 3">
+            <a:extLst>
+              <a:ext uri="{FF2B5EF4-FFF2-40B4-BE49-F238E27FC236}">
+                <a16:creationId xmlns:a16="http://schemas.microsoft.com/office/drawing/2014/main" id="{DCEA0CA9-EE36-462B-B727-D1A43009E654}"/>
+              </a:ext>
+            </a:extLst>
+          </p:cNvPr>
+          <p:cNvSpPr txBox="1"/>
           <p:nvPr/>
-        </p:nvPicPr>
-        <p:blipFill>
-          <a:blip r:embed="rId3">
-            <a:extLst>
-              <a:ext uri="{28A0092B-C50C-407E-A947-70E740481C1C}">
-                <a14:useLocalDpi xmlns:a14="http://schemas.microsoft.com/office/drawing/2010/main" val="0"/>
-              </a:ext>
-            </a:extLst>
-          </a:blip>
-          <a:stretch>
-            <a:fillRect/>
-          </a:stretch>
-        </p:blipFill>
-        <p:spPr>
-          <a:xfrm>
-            <a:off x="6232231" y="449114"/>
-            <a:ext cx="5959769" cy="5959769"/>
+        </p:nvSpPr>
+        <p:spPr>
+          <a:xfrm>
+            <a:off x="8409061" y="5930781"/>
+            <a:ext cx="3555051" cy="369332"/>
           </a:xfrm>
           <a:prstGeom prst="rect">
             <a:avLst/>
           </a:prstGeom>
-        </p:spPr>
-      </p:pic>
+          <a:noFill/>
+        </p:spPr>
+        <p:txBody>
+          <a:bodyPr wrap="square" rtlCol="0">
+            <a:spAutoFit/>
+          </a:bodyPr>
+          <a:lstStyle/>
+          <a:p>
+            <a:r>
+              <a:rPr lang="en-US" dirty="0"/>
+              <a:t>Ordered by error (ascending up)</a:t>
+            </a:r>
+          </a:p>
+        </p:txBody>
+      </p:sp>
     </p:spTree>
     <p:extLst>
       <p:ext uri="{BB962C8B-B14F-4D97-AF65-F5344CB8AC3E}">
-        <p14:creationId xmlns:p14="http://schemas.microsoft.com/office/powerpoint/2010/main" val="425007679"/>
+        <p14:creationId xmlns:p14="http://schemas.microsoft.com/office/powerpoint/2010/main" val="1958975775"/>
       </p:ext>
     </p:extLst>
   </p:cSld>
@@ -6138,10 +6715,10 @@
       </p:grpSpPr>
       <p:pic>
         <p:nvPicPr>
-          <p:cNvPr id="3" name="Picture 2" descr="A picture containing diagram&#10;&#10;Description automatically generated">
-            <a:extLst>
-              <a:ext uri="{FF2B5EF4-FFF2-40B4-BE49-F238E27FC236}">
-                <a16:creationId xmlns:a16="http://schemas.microsoft.com/office/drawing/2014/main" id="{5325D005-527E-4E7D-BEFB-EFFD5F99D860}"/>
+          <p:cNvPr id="3" name="Picture 2" descr="Chart, bar chart&#10;&#10;Description automatically generated">
+            <a:extLst>
+              <a:ext uri="{FF2B5EF4-FFF2-40B4-BE49-F238E27FC236}">
+                <a16:creationId xmlns:a16="http://schemas.microsoft.com/office/drawing/2014/main" id="{697A41E4-FC23-46DC-BADB-1458E635EE70}"/>
               </a:ext>
             </a:extLst>
           </p:cNvPr>
@@ -6164,18 +6741,53 @@
         </p:blipFill>
         <p:spPr>
           <a:xfrm>
-            <a:off x="2895593" y="228593"/>
-            <a:ext cx="6400813" cy="6400813"/>
+            <a:off x="444339" y="123363"/>
+            <a:ext cx="7611537" cy="6611273"/>
           </a:xfrm>
           <a:prstGeom prst="rect">
             <a:avLst/>
           </a:prstGeom>
         </p:spPr>
       </p:pic>
+      <p:sp>
+        <p:nvSpPr>
+          <p:cNvPr id="4" name="TextBox 3">
+            <a:extLst>
+              <a:ext uri="{FF2B5EF4-FFF2-40B4-BE49-F238E27FC236}">
+                <a16:creationId xmlns:a16="http://schemas.microsoft.com/office/drawing/2014/main" id="{B19E058C-1583-44B4-BAA1-E217BE541461}"/>
+              </a:ext>
+            </a:extLst>
+          </p:cNvPr>
+          <p:cNvSpPr txBox="1"/>
+          <p:nvPr/>
+        </p:nvSpPr>
+        <p:spPr>
+          <a:xfrm>
+            <a:off x="8024500" y="5930781"/>
+            <a:ext cx="4050707" cy="369332"/>
+          </a:xfrm>
+          <a:prstGeom prst="rect">
+            <a:avLst/>
+          </a:prstGeom>
+          <a:noFill/>
+        </p:spPr>
+        <p:txBody>
+          <a:bodyPr wrap="square" rtlCol="0">
+            <a:spAutoFit/>
+          </a:bodyPr>
+          <a:lstStyle/>
+          <a:p>
+            <a:r>
+              <a:rPr lang="en-US" dirty="0"/>
+              <a:t>Ordered by correlation (ascending up)</a:t>
+            </a:r>
+          </a:p>
+        </p:txBody>
+      </p:sp>
     </p:spTree>
     <p:extLst>
       <p:ext uri="{BB962C8B-B14F-4D97-AF65-F5344CB8AC3E}">
-        <p14:creationId xmlns:p14="http://schemas.microsoft.com/office/powerpoint/2010/main" val="2695558462"/>
+        <p14:creationId xmlns:p14="http://schemas.microsoft.com/office/powerpoint/2010/main" val="3988640908"/>
       </p:ext>
     </p:extLst>
   </p:cSld>
